--- a/restricted/slides11w.pptx
+++ b/restricted/slides11w.pptx
@@ -5,10 +5,10 @@
     <p:sldMasterId id="2147483653" r:id="rId1"/>
   </p:sldMasterIdLst>
   <p:notesMasterIdLst>
-    <p:notesMasterId r:id="rId36"/>
+    <p:notesMasterId r:id="rId37"/>
   </p:notesMasterIdLst>
   <p:handoutMasterIdLst>
-    <p:handoutMasterId r:id="rId37"/>
+    <p:handoutMasterId r:id="rId38"/>
   </p:handoutMasterIdLst>
   <p:sldIdLst>
     <p:sldId id="474" r:id="rId2"/>
@@ -41,34 +41,35 @@
     <p:sldId id="538" r:id="rId29"/>
     <p:sldId id="541" r:id="rId30"/>
     <p:sldId id="542" r:id="rId31"/>
-    <p:sldId id="543" r:id="rId32"/>
-    <p:sldId id="545" r:id="rId33"/>
-    <p:sldId id="546" r:id="rId34"/>
-    <p:sldId id="547" r:id="rId35"/>
+    <p:sldId id="568" r:id="rId32"/>
+    <p:sldId id="543" r:id="rId33"/>
+    <p:sldId id="545" r:id="rId34"/>
+    <p:sldId id="546" r:id="rId35"/>
+    <p:sldId id="547" r:id="rId36"/>
   </p:sldIdLst>
   <p:sldSz cx="9144000" cy="6858000" type="screen4x3"/>
   <p:notesSz cx="7315200" cy="9601200"/>
   <p:embeddedFontLst>
     <p:embeddedFont>
       <p:font typeface="Comic Sans MS"/>
-      <p:regular r:id="rId38"/>
-      <p:bold r:id="rId39"/>
+      <p:regular r:id="rId39"/>
+      <p:bold r:id="rId40"/>
     </p:embeddedFont>
     <p:embeddedFont>
       <p:font typeface="Euclid Extra" charset="2"/>
-      <p:regular r:id="rId40"/>
-      <p:bold r:id="rId41"/>
+      <p:regular r:id="rId41"/>
+      <p:bold r:id="rId42"/>
     </p:embeddedFont>
     <p:embeddedFont>
       <p:font typeface="Euclid Symbol" charset="2"/>
-      <p:regular r:id="rId42"/>
-      <p:bold r:id="rId43"/>
-      <p:italic r:id="rId44"/>
-      <p:boldItalic r:id="rId45"/>
+      <p:regular r:id="rId43"/>
+      <p:bold r:id="rId44"/>
+      <p:italic r:id="rId45"/>
+      <p:boldItalic r:id="rId46"/>
     </p:embeddedFont>
   </p:embeddedFontLst>
   <p:custDataLst>
-    <p:tags r:id="rId47"/>
+    <p:tags r:id="rId48"/>
   </p:custDataLst>
   <p:defaultTextStyle>
     <a:defPPr>
@@ -411,6 +412,7 @@
     </p:spTree>
   </p:cSld>
   <p:clrMap bg1="lt1" tx1="dk1" bg2="lt2" tx2="dk2" accent1="accent1" accent2="accent2" accent3="accent3" accent4="accent4" accent5="accent5" accent6="accent6" hlink="hlink" folHlink="folHlink"/>
+  <p:hf hdr="0" ftr="0" dt="0"/>
 </p:handoutMaster>
 </file>
 
@@ -756,6 +758,7 @@
     </p:spTree>
   </p:cSld>
   <p:clrMap bg1="lt1" tx1="dk1" bg2="lt2" tx2="dk2" accent1="accent1" accent2="accent2" accent3="accent3" accent4="accent4" accent5="accent5" accent6="accent6" hlink="hlink" folHlink="folHlink"/>
+  <p:hf hdr="0" ftr="0" dt="0"/>
   <p:notesStyle>
     <a:lvl1pPr algn="l" rtl="0" eaLnBrk="0" fontAlgn="base" hangingPunct="0">
       <a:spcBef>
@@ -5044,7 +5047,7 @@
       </p:sp>
       <p:sp>
         <p:nvSpPr>
-          <p:cNvPr id="203778" name="Text Box 2"/>
+          <p:cNvPr id="202754" name="Text Box 2"/>
           <p:cNvSpPr txBox="1">
             <a:spLocks noGrp="1" noChangeArrowheads="1"/>
           </p:cNvSpPr>
@@ -5089,7 +5092,7 @@
       </p:sp>
       <p:sp>
         <p:nvSpPr>
-          <p:cNvPr id="203779" name="Text Box 3"/>
+          <p:cNvPr id="202755" name="Text Box 3"/>
           <p:cNvSpPr txBox="1">
             <a:spLocks noGrp="1" noChangeArrowheads="1"/>
           </p:cNvSpPr>
@@ -5127,14 +5130,14 @@
               <a:rPr lang="en-US" sz="1300">
                 <a:latin typeface="Times New Roman" pitchFamily="18" charset="0"/>
               </a:rPr>
-              <a:t>31</a:t>
+              <a:t>30</a:t>
             </a:r>
           </a:p>
         </p:txBody>
       </p:sp>
       <p:sp>
         <p:nvSpPr>
-          <p:cNvPr id="203780" name="Rectangle 4"/>
+          <p:cNvPr id="202756" name="Rectangle 4"/>
           <p:cNvSpPr>
             <a:spLocks noGrp="1" noRot="1" noChangeAspect="1" noChangeArrowheads="1" noTextEdit="1"/>
           </p:cNvSpPr>
@@ -5223,7 +5226,7 @@
       </p:sp>
       <p:sp>
         <p:nvSpPr>
-          <p:cNvPr id="204802" name="Text Box 2"/>
+          <p:cNvPr id="203778" name="Text Box 2"/>
           <p:cNvSpPr txBox="1">
             <a:spLocks noGrp="1" noChangeArrowheads="1"/>
           </p:cNvSpPr>
@@ -5268,7 +5271,7 @@
       </p:sp>
       <p:sp>
         <p:nvSpPr>
-          <p:cNvPr id="204803" name="Text Box 3"/>
+          <p:cNvPr id="203779" name="Text Box 3"/>
           <p:cNvSpPr txBox="1">
             <a:spLocks noGrp="1" noChangeArrowheads="1"/>
           </p:cNvSpPr>
@@ -5306,14 +5309,14 @@
               <a:rPr lang="en-US" sz="1300">
                 <a:latin typeface="Times New Roman" pitchFamily="18" charset="0"/>
               </a:rPr>
-              <a:t>32</a:t>
+              <a:t>31</a:t>
             </a:r>
           </a:p>
         </p:txBody>
       </p:sp>
       <p:sp>
         <p:nvSpPr>
-          <p:cNvPr id="204804" name="Rectangle 4"/>
+          <p:cNvPr id="203780" name="Rectangle 4"/>
           <p:cNvSpPr>
             <a:spLocks noGrp="1" noRot="1" noChangeAspect="1" noChangeArrowheads="1" noTextEdit="1"/>
           </p:cNvSpPr>
@@ -5402,6 +5405,185 @@
       </p:sp>
       <p:sp>
         <p:nvSpPr>
+          <p:cNvPr id="204802" name="Text Box 2"/>
+          <p:cNvSpPr txBox="1">
+            <a:spLocks noGrp="1" noChangeArrowheads="1"/>
+          </p:cNvSpPr>
+          <p:nvPr/>
+        </p:nvSpPr>
+        <p:spPr bwMode="auto">
+          <a:xfrm>
+            <a:off x="4146550" y="9121775"/>
+            <a:ext cx="3168650" cy="479425"/>
+          </a:xfrm>
+          <a:prstGeom prst="rect">
+            <a:avLst/>
+          </a:prstGeom>
+          <a:noFill/>
+          <a:ln w="9525">
+            <a:noFill/>
+            <a:miter lim="800000"/>
+            <a:headEnd/>
+            <a:tailEnd/>
+          </a:ln>
+        </p:spPr>
+        <p:txBody>
+          <a:bodyPr lIns="96660" tIns="48330" rIns="96660" bIns="48330" anchor="b"/>
+          <a:lstStyle/>
+          <a:p>
+            <a:pPr algn="r" defTabSz="966788" fontAlgn="base">
+              <a:spcBef>
+                <a:spcPct val="0"/>
+              </a:spcBef>
+              <a:spcAft>
+                <a:spcPct val="0"/>
+              </a:spcAft>
+            </a:pPr>
+            <a:r>
+              <a:rPr lang="en-US" sz="1300">
+                <a:latin typeface="Times New Roman" pitchFamily="18" charset="0"/>
+              </a:rPr>
+              <a:t>‹#›</a:t>
+            </a:r>
+          </a:p>
+        </p:txBody>
+      </p:sp>
+      <p:sp>
+        <p:nvSpPr>
+          <p:cNvPr id="204803" name="Text Box 3"/>
+          <p:cNvSpPr txBox="1">
+            <a:spLocks noGrp="1" noChangeArrowheads="1"/>
+          </p:cNvSpPr>
+          <p:nvPr/>
+        </p:nvSpPr>
+        <p:spPr bwMode="auto">
+          <a:xfrm>
+            <a:off x="4146550" y="9121775"/>
+            <a:ext cx="3168650" cy="479425"/>
+          </a:xfrm>
+          <a:prstGeom prst="rect">
+            <a:avLst/>
+          </a:prstGeom>
+          <a:noFill/>
+          <a:ln w="9525">
+            <a:noFill/>
+            <a:miter lim="800000"/>
+            <a:headEnd/>
+            <a:tailEnd/>
+          </a:ln>
+        </p:spPr>
+        <p:txBody>
+          <a:bodyPr lIns="96660" tIns="48330" rIns="96660" bIns="48330" anchor="b"/>
+          <a:lstStyle/>
+          <a:p>
+            <a:pPr algn="r" defTabSz="966788" fontAlgn="base">
+              <a:spcBef>
+                <a:spcPct val="0"/>
+              </a:spcBef>
+              <a:spcAft>
+                <a:spcPct val="0"/>
+              </a:spcAft>
+            </a:pPr>
+            <a:r>
+              <a:rPr lang="en-US" sz="1300">
+                <a:latin typeface="Times New Roman" pitchFamily="18" charset="0"/>
+              </a:rPr>
+              <a:t>32</a:t>
+            </a:r>
+          </a:p>
+        </p:txBody>
+      </p:sp>
+      <p:sp>
+        <p:nvSpPr>
+          <p:cNvPr id="204804" name="Rectangle 4"/>
+          <p:cNvSpPr>
+            <a:spLocks noGrp="1" noRot="1" noChangeAspect="1" noChangeArrowheads="1" noTextEdit="1"/>
+          </p:cNvSpPr>
+          <p:nvPr>
+            <p:ph type="sldImg"/>
+          </p:nvPr>
+        </p:nvSpPr>
+        <p:spPr>
+          <a:ln/>
+        </p:spPr>
+      </p:sp>
+      <p:sp>
+        <p:nvSpPr>
+          <p:cNvPr id="7173" name="Rectangle 5"/>
+          <p:cNvSpPr>
+            <a:spLocks noGrp="1" noChangeArrowheads="1"/>
+          </p:cNvSpPr>
+          <p:nvPr>
+            <p:ph type="body" idx="1"/>
+          </p:nvPr>
+        </p:nvSpPr>
+        <p:spPr>
+          <a:noFill/>
+          <a:ln/>
+        </p:spPr>
+        <p:txBody>
+          <a:bodyPr/>
+          <a:lstStyle/>
+          <a:p>
+            <a:pPr eaLnBrk="1" hangingPunct="1"/>
+            <a:endParaRPr lang="en-US"/>
+          </a:p>
+        </p:txBody>
+      </p:sp>
+    </p:spTree>
+  </p:cSld>
+  <p:clrMapOvr>
+    <a:masterClrMapping/>
+  </p:clrMapOvr>
+</p:notes>
+</file>
+
+<file path=ppt/notesSlides/notesSlide33.xml><?xml version="1.0" encoding="utf-8"?>
+<p:notes xmlns:a="http://schemas.openxmlformats.org/drawingml/2006/main" xmlns:r="http://schemas.openxmlformats.org/officeDocument/2006/relationships" xmlns:mc="http://schemas.openxmlformats.org/markup-compatibility/2006" xmlns:mv="urn:schemas-microsoft-com:mac:vml" xmlns:p="http://schemas.openxmlformats.org/presentationml/2006/main" mc:Ignorable="mv" mc:PreserveAttributes="mv:*">
+  <p:cSld>
+    <p:spTree>
+      <p:nvGrpSpPr>
+        <p:cNvPr id="1" name=""/>
+        <p:cNvGrpSpPr/>
+        <p:nvPr/>
+      </p:nvGrpSpPr>
+      <p:grpSpPr>
+        <a:xfrm>
+          <a:off x="0" y="0"/>
+          <a:ext cx="0" cy="0"/>
+          <a:chOff x="0" y="0"/>
+          <a:chExt cx="0" cy="0"/>
+        </a:xfrm>
+      </p:grpSpPr>
+      <p:sp>
+        <p:nvSpPr>
+          <p:cNvPr id="9" name="Rectangle 7"/>
+          <p:cNvSpPr>
+            <a:spLocks noGrp="1" noChangeArrowheads="1"/>
+          </p:cNvSpPr>
+          <p:nvPr>
+            <p:ph type="sldNum" sz="quarter" idx="5"/>
+          </p:nvPr>
+        </p:nvSpPr>
+        <p:spPr>
+          <a:ln/>
+        </p:spPr>
+        <p:txBody>
+          <a:bodyPr/>
+          <a:lstStyle/>
+          <a:p>
+            <a:pPr>
+              <a:defRPr/>
+            </a:pPr>
+            <a:r>
+              <a:rPr lang="en-US"/>
+              <a:t>‹#›</a:t>
+            </a:r>
+          </a:p>
+        </p:txBody>
+      </p:sp>
+      <p:sp>
+        <p:nvSpPr>
           <p:cNvPr id="205826" name="Text Box 2"/>
           <p:cNvSpPr txBox="1">
             <a:spLocks noGrp="1" noChangeArrowheads="1"/>
@@ -5535,7 +5717,7 @@
 </p:notes>
 </file>
 
-<file path=ppt/notesSlides/notesSlide33.xml><?xml version="1.0" encoding="utf-8"?>
+<file path=ppt/notesSlides/notesSlide34.xml><?xml version="1.0" encoding="utf-8"?>
 <p:notes xmlns:a="http://schemas.openxmlformats.org/drawingml/2006/main" xmlns:r="http://schemas.openxmlformats.org/officeDocument/2006/relationships" xmlns:mc="http://schemas.openxmlformats.org/markup-compatibility/2006" xmlns:mv="urn:schemas-microsoft-com:mac:vml" xmlns:p="http://schemas.openxmlformats.org/presentationml/2006/main" mc:Ignorable="mv" mc:PreserveAttributes="mv:*">
   <p:cSld>
     <p:spTree>
@@ -6934,11 +7116,7 @@
             </a:r>
             <a:r>
               <a:rPr lang="en-US" dirty="0" smtClean="0"/>
-              <a:t> 11W.‹</a:t>
-            </a:r>
-            <a:r>
-              <a:rPr lang="en-US" dirty="0" smtClean="0"/>
-              <a:t>#›</a:t>
+              <a:t> 11W.‹#›</a:t>
             </a:r>
             <a:endParaRPr lang="en-US" dirty="0"/>
           </a:p>
@@ -7080,11 +7258,7 @@
             </a:r>
             <a:r>
               <a:rPr lang="en-US" dirty="0" smtClean="0"/>
-              <a:t> 11W.‹</a:t>
-            </a:r>
-            <a:r>
-              <a:rPr lang="en-US" dirty="0" smtClean="0"/>
-              <a:t>#›</a:t>
+              <a:t> 11W.‹#›</a:t>
             </a:r>
             <a:endParaRPr lang="en-US" dirty="0"/>
           </a:p>
@@ -7174,11 +7348,7 @@
             </a:r>
             <a:r>
               <a:rPr lang="en-US" dirty="0" smtClean="0"/>
-              <a:t> 11W.‹</a:t>
-            </a:r>
-            <a:r>
-              <a:rPr lang="en-US" dirty="0" smtClean="0"/>
-              <a:t>#›</a:t>
+              <a:t> 11W.‹#›</a:t>
             </a:r>
             <a:endParaRPr lang="en-US" dirty="0"/>
           </a:p>
@@ -7245,11 +7415,7 @@
             </a:r>
             <a:r>
               <a:rPr lang="en-US" dirty="0" smtClean="0"/>
-              <a:t> 11W.‹</a:t>
-            </a:r>
-            <a:r>
-              <a:rPr lang="en-US" dirty="0" smtClean="0"/>
-              <a:t>#›</a:t>
+              <a:t> 11W.‹#›</a:t>
             </a:r>
             <a:endParaRPr lang="en-US" dirty="0"/>
           </a:p>
@@ -7516,11 +7682,7 @@
             </a:r>
             <a:r>
               <a:rPr lang="en-US" dirty="0" smtClean="0"/>
-              <a:t> </a:t>
-            </a:r>
-            <a:r>
-              <a:rPr lang="en-US" dirty="0" smtClean="0"/>
-              <a:t>11W.</a:t>
+              <a:t> 11W.</a:t>
             </a:r>
             <a:fld id="{69D5B163-A3FA-4490-BF47-D2D4336659F3}" type="slidenum">
               <a:rPr lang="en-US" smtClean="0"/>
@@ -7584,22 +7746,7 @@
                 <a:uFillTx/>
                 <a:latin typeface="Comic Sans MS" pitchFamily="66" charset="0"/>
               </a:rPr>
-              <a:t>Albert R Meyer</a:t>
-            </a:r>
-            <a:r>
-              <a:rPr kumimoji="0" lang="en-US" sz="1200" b="0" i="0" u="none" strike="noStrike" kern="1200" cap="none" spc="0" normalizeH="0" baseline="0" noProof="0" dirty="0" smtClean="0">
-                <a:ln>
-                  <a:noFill/>
-                </a:ln>
-                <a:solidFill>
-                  <a:schemeClr val="tx1"/>
-                </a:solidFill>
-                <a:effectLst/>
-                <a:uLnTx/>
-                <a:uFillTx/>
-                <a:latin typeface="Comic Sans MS" pitchFamily="66" charset="0"/>
-              </a:rPr>
-              <a:t>,                April 21, 2010</a:t>
+              <a:t>Albert R Meyer,                April 21, 2010</a:t>
             </a:r>
             <a:endParaRPr kumimoji="0" lang="en-US" sz="1200" b="0" i="0" u="none" strike="noStrike" kern="1200" cap="none" spc="0" normalizeH="0" baseline="0" noProof="0" dirty="0">
               <a:ln>
@@ -7656,6 +7803,7 @@
       </p:par>
     </p:tnLst>
   </p:timing>
+  <p:hf sldNum="0" hdr="0" ftr="0" dt="0"/>
   <p:txStyles>
     <p:titleStyle>
       <a:lvl1pPr algn="l" rtl="0" eaLnBrk="0" fontAlgn="base" hangingPunct="0">
@@ -8277,7 +8425,7 @@
 </file>
 
 <file path=ppt/slides/slide10.xml><?xml version="1.0" encoding="utf-8"?>
-<p:sld xmlns:a="http://schemas.openxmlformats.org/drawingml/2006/main" xmlns:r="http://schemas.openxmlformats.org/officeDocument/2006/relationships" xmlns:mc="http://schemas.openxmlformats.org/markup-compatibility/2006" xmlns:mv="urn:schemas-microsoft-com:mac:vml" xmlns:p="http://schemas.openxmlformats.org/presentationml/2006/main" mc:Ignorable="mv" mc:PreserveAttributes="mv:*">
+<p:sld xmlns:a="http://schemas.openxmlformats.org/drawingml/2006/main" xmlns:r="http://schemas.openxmlformats.org/officeDocument/2006/relationships" xmlns:mc="http://schemas.openxmlformats.org/markup-compatibility/2006" xmlns:mv="urn:schemas-microsoft-com:mac:vml" xmlns:p="http://schemas.openxmlformats.org/presentationml/2006/main" mc:Ignorable="mv" mc:PreserveAttributes="mv:*" show="0">
   <p:cSld>
     <p:spTree>
       <p:nvGrpSpPr>
@@ -8706,7 +8854,7 @@
 </file>
 
 <file path=ppt/slides/slide11.xml><?xml version="1.0" encoding="utf-8"?>
-<p:sld xmlns:a="http://schemas.openxmlformats.org/drawingml/2006/main" xmlns:r="http://schemas.openxmlformats.org/officeDocument/2006/relationships" xmlns:mc="http://schemas.openxmlformats.org/markup-compatibility/2006" xmlns:mv="urn:schemas-microsoft-com:mac:vml" xmlns:p="http://schemas.openxmlformats.org/presentationml/2006/main" mc:Ignorable="mv" mc:PreserveAttributes="mv:*">
+<p:sld xmlns:a="http://schemas.openxmlformats.org/drawingml/2006/main" xmlns:r="http://schemas.openxmlformats.org/officeDocument/2006/relationships" xmlns:mc="http://schemas.openxmlformats.org/markup-compatibility/2006" xmlns:mv="urn:schemas-microsoft-com:mac:vml" xmlns:p="http://schemas.openxmlformats.org/presentationml/2006/main" mc:Ignorable="mv" mc:PreserveAttributes="mv:*" show="0">
   <p:cSld>
     <p:spTree>
       <p:nvGrpSpPr>
@@ -9028,6 +9176,7 @@
   <p:clrMapOvr>
     <a:masterClrMapping/>
   </p:clrMapOvr>
+  <p:transition/>
   <p:timing>
     <p:tnLst>
       <p:par>
@@ -9156,7 +9305,7 @@
 </file>
 
 <file path=ppt/slides/slide12.xml><?xml version="1.0" encoding="utf-8"?>
-<p:sld xmlns:a="http://schemas.openxmlformats.org/drawingml/2006/main" xmlns:r="http://schemas.openxmlformats.org/officeDocument/2006/relationships" xmlns:mc="http://schemas.openxmlformats.org/markup-compatibility/2006" xmlns:mv="urn:schemas-microsoft-com:mac:vml" xmlns:p="http://schemas.openxmlformats.org/presentationml/2006/main" mc:Ignorable="mv" mc:PreserveAttributes="mv:*">
+<p:sld xmlns:a="http://schemas.openxmlformats.org/drawingml/2006/main" xmlns:r="http://schemas.openxmlformats.org/officeDocument/2006/relationships" xmlns:mc="http://schemas.openxmlformats.org/markup-compatibility/2006" xmlns:mv="urn:schemas-microsoft-com:mac:vml" xmlns:p="http://schemas.openxmlformats.org/presentationml/2006/main" mc:Ignorable="mv" mc:PreserveAttributes="mv:*" show="0">
   <p:cSld>
     <p:spTree>
       <p:nvGrpSpPr>
@@ -9523,7 +9672,7 @@
 </file>
 
 <file path=ppt/slides/slide13.xml><?xml version="1.0" encoding="utf-8"?>
-<p:sld xmlns:a="http://schemas.openxmlformats.org/drawingml/2006/main" xmlns:r="http://schemas.openxmlformats.org/officeDocument/2006/relationships" xmlns:mc="http://schemas.openxmlformats.org/markup-compatibility/2006" xmlns:mv="urn:schemas-microsoft-com:mac:vml" xmlns:p="http://schemas.openxmlformats.org/presentationml/2006/main" mc:Ignorable="mv" mc:PreserveAttributes="mv:*">
+<p:sld xmlns:a="http://schemas.openxmlformats.org/drawingml/2006/main" xmlns:r="http://schemas.openxmlformats.org/officeDocument/2006/relationships" xmlns:mc="http://schemas.openxmlformats.org/markup-compatibility/2006" xmlns:mv="urn:schemas-microsoft-com:mac:vml" xmlns:p="http://schemas.openxmlformats.org/presentationml/2006/main" mc:Ignorable="mv" mc:PreserveAttributes="mv:*" show="0">
   <p:cSld>
     <p:spTree>
       <p:nvGrpSpPr>
@@ -9652,6 +9801,7 @@
   <p:clrMapOvr>
     <a:masterClrMapping/>
   </p:clrMapOvr>
+  <p:transition/>
   <p:timing>
     <p:tnLst>
       <p:par>
@@ -9663,7 +9813,7 @@
 </file>
 
 <file path=ppt/slides/slide14.xml><?xml version="1.0" encoding="utf-8"?>
-<p:sld xmlns:a="http://schemas.openxmlformats.org/drawingml/2006/main" xmlns:r="http://schemas.openxmlformats.org/officeDocument/2006/relationships" xmlns:mc="http://schemas.openxmlformats.org/markup-compatibility/2006" xmlns:mv="urn:schemas-microsoft-com:mac:vml" xmlns:p="http://schemas.openxmlformats.org/presentationml/2006/main" mc:Ignorable="mv" mc:PreserveAttributes="mv:*">
+<p:sld xmlns:a="http://schemas.openxmlformats.org/drawingml/2006/main" xmlns:r="http://schemas.openxmlformats.org/officeDocument/2006/relationships" xmlns:mc="http://schemas.openxmlformats.org/markup-compatibility/2006" xmlns:mv="urn:schemas-microsoft-com:mac:vml" xmlns:p="http://schemas.openxmlformats.org/presentationml/2006/main" mc:Ignorable="mv" mc:PreserveAttributes="mv:*" show="0">
   <p:cSld>
     <p:spTree>
       <p:nvGrpSpPr>
@@ -10131,7 +10281,7 @@
 </file>
 
 <file path=ppt/slides/slide15.xml><?xml version="1.0" encoding="utf-8"?>
-<p:sld xmlns:a="http://schemas.openxmlformats.org/drawingml/2006/main" xmlns:r="http://schemas.openxmlformats.org/officeDocument/2006/relationships" xmlns:mc="http://schemas.openxmlformats.org/markup-compatibility/2006" xmlns:mv="urn:schemas-microsoft-com:mac:vml" xmlns:p="http://schemas.openxmlformats.org/presentationml/2006/main" mc:Ignorable="mv" mc:PreserveAttributes="mv:*">
+<p:sld xmlns:a="http://schemas.openxmlformats.org/drawingml/2006/main" xmlns:r="http://schemas.openxmlformats.org/officeDocument/2006/relationships" xmlns:mc="http://schemas.openxmlformats.org/markup-compatibility/2006" xmlns:mv="urn:schemas-microsoft-com:mac:vml" xmlns:p="http://schemas.openxmlformats.org/presentationml/2006/main" mc:Ignorable="mv" mc:PreserveAttributes="mv:*" show="0">
   <p:cSld>
     <p:spTree>
       <p:nvGrpSpPr>
@@ -10819,6 +10969,9 @@
   <p:clrMapOvr>
     <a:masterClrMapping/>
   </p:clrMapOvr>
+  <p:transition spd="med">
+    <p:fade thruBlk="1"/>
+  </p:transition>
   <p:timing>
     <p:tnLst>
       <p:par>
@@ -10840,7 +10993,7 @@
                             </p:stCondLst>
                             <p:childTnLst>
                               <p:par>
-                                <p:cTn id="5" presetID="2" presetClass="entr" presetSubtype="9" fill="hold" nodeType="clickEffect">
+                                <p:cTn id="5" presetID="15" presetClass="entr" presetSubtype="0" fill="hold" nodeType="clickEffect">
                                   <p:stCondLst>
                                     <p:cond delay="0"/>
                                   </p:stCondLst>
@@ -10864,8 +11017,54 @@
                                       </p:to>
                                     </p:set>
                                     <p:anim calcmode="lin" valueType="num">
-                                      <p:cBhvr additive="base">
-                                        <p:cTn id="7" dur="500" fill="hold"/>
+                                      <p:cBhvr>
+                                        <p:cTn id="7" dur="1000" fill="hold"/>
+                                        <p:tgtEl>
+                                          <p:spTgt spid="589830"/>
+                                        </p:tgtEl>
+                                        <p:attrNameLst>
+                                          <p:attrName>ppt_w</p:attrName>
+                                        </p:attrNameLst>
+                                      </p:cBhvr>
+                                      <p:tavLst>
+                                        <p:tav tm="0">
+                                          <p:val>
+                                            <p:fltVal val="0"/>
+                                          </p:val>
+                                        </p:tav>
+                                        <p:tav tm="100000">
+                                          <p:val>
+                                            <p:strVal val="#ppt_w"/>
+                                          </p:val>
+                                        </p:tav>
+                                      </p:tavLst>
+                                    </p:anim>
+                                    <p:anim calcmode="lin" valueType="num">
+                                      <p:cBhvr>
+                                        <p:cTn id="8" dur="1000" fill="hold"/>
+                                        <p:tgtEl>
+                                          <p:spTgt spid="589830"/>
+                                        </p:tgtEl>
+                                        <p:attrNameLst>
+                                          <p:attrName>ppt_h</p:attrName>
+                                        </p:attrNameLst>
+                                      </p:cBhvr>
+                                      <p:tavLst>
+                                        <p:tav tm="0">
+                                          <p:val>
+                                            <p:fltVal val="0"/>
+                                          </p:val>
+                                        </p:tav>
+                                        <p:tav tm="100000">
+                                          <p:val>
+                                            <p:strVal val="#ppt_h"/>
+                                          </p:val>
+                                        </p:tav>
+                                      </p:tavLst>
+                                    </p:anim>
+                                    <p:anim calcmode="lin" valueType="num">
+                                      <p:cBhvr>
+                                        <p:cTn id="9" dur="1000" fill="hold"/>
                                         <p:tgtEl>
                                           <p:spTgt spid="589830"/>
                                         </p:tgtEl>
@@ -10874,21 +11073,21 @@
                                         </p:attrNameLst>
                                       </p:cBhvr>
                                       <p:tavLst>
-                                        <p:tav tm="0">
+                                        <p:tav tm="0" fmla="#ppt_x+(cos(-2*pi*(1-$))*-#ppt_x-sin(-2*pi*(1-$))*(1-#ppt_y))*(1-$)">
                                           <p:val>
-                                            <p:strVal val="0-#ppt_w/2"/>
+                                            <p:fltVal val="0"/>
                                           </p:val>
                                         </p:tav>
                                         <p:tav tm="100000">
                                           <p:val>
-                                            <p:strVal val="#ppt_x"/>
+                                            <p:fltVal val="1"/>
                                           </p:val>
                                         </p:tav>
                                       </p:tavLst>
                                     </p:anim>
                                     <p:anim calcmode="lin" valueType="num">
-                                      <p:cBhvr additive="base">
-                                        <p:cTn id="8" dur="500" fill="hold"/>
+                                      <p:cBhvr>
+                                        <p:cTn id="10" dur="1000" fill="hold"/>
                                         <p:tgtEl>
                                           <p:spTgt spid="589830"/>
                                         </p:tgtEl>
@@ -10897,14 +11096,14 @@
                                         </p:attrNameLst>
                                       </p:cBhvr>
                                       <p:tavLst>
-                                        <p:tav tm="0">
+                                        <p:tav tm="0" fmla="#ppt_y+(sin(-2*pi*(1-$))*-#ppt_x+cos(-2*pi*(1-$))*(1-#ppt_y))*(1-$)">
                                           <p:val>
-                                            <p:strVal val="0-#ppt_h/2"/>
+                                            <p:fltVal val="0"/>
                                           </p:val>
                                         </p:tav>
                                         <p:tav tm="100000">
                                           <p:val>
-                                            <p:strVal val="#ppt_y"/>
+                                            <p:fltVal val="1"/>
                                           </p:val>
                                         </p:tav>
                                       </p:tavLst>
@@ -11383,7 +11582,7 @@
 </file>
 
 <file path=ppt/slides/slide18.xml><?xml version="1.0" encoding="utf-8"?>
-<p:sld xmlns:a="http://schemas.openxmlformats.org/drawingml/2006/main" xmlns:r="http://schemas.openxmlformats.org/officeDocument/2006/relationships" xmlns:mc="http://schemas.openxmlformats.org/markup-compatibility/2006" xmlns:mv="urn:schemas-microsoft-com:mac:vml" xmlns:p="http://schemas.openxmlformats.org/presentationml/2006/main" mc:Ignorable="mv" mc:PreserveAttributes="mv:*" show="0">
+<p:sld xmlns:a="http://schemas.openxmlformats.org/drawingml/2006/main" xmlns:r="http://schemas.openxmlformats.org/officeDocument/2006/relationships" xmlns:mc="http://schemas.openxmlformats.org/markup-compatibility/2006" xmlns:mv="urn:schemas-microsoft-com:mac:vml" xmlns:p="http://schemas.openxmlformats.org/presentationml/2006/main" mc:Ignorable="mv" mc:PreserveAttributes="mv:*">
   <p:cSld>
     <p:spTree>
       <p:nvGrpSpPr>
@@ -11496,12 +11695,12 @@
           <p:nvPr/>
         </p:nvGraphicFramePr>
         <p:xfrm>
-          <a:off x="-482600" y="1720850"/>
-          <a:ext cx="10055225" cy="3457575"/>
+          <a:off x="0" y="1797050"/>
+          <a:ext cx="9112940" cy="3308350"/>
         </p:xfrm>
         <a:graphic>
           <a:graphicData uri="http://schemas.openxmlformats.org/presentationml/2006/ole">
-            <p:oleObj spid="_x0000_s13314" name="Equation" r:id="rId4" imgW="2882900" imgH="990600" progId="Equation.DSMT4">
+            <p:oleObj spid="_x0000_s13314" name="Equation" r:id="rId4" imgW="2730500" imgH="990600" progId="Equation.DSMT4">
               <p:embed/>
             </p:oleObj>
           </a:graphicData>
@@ -11674,6 +11873,9 @@
   <p:clrMapOvr>
     <a:masterClrMapping/>
   </p:clrMapOvr>
+  <p:transition>
+    <p:fade/>
+  </p:transition>
   <p:timing>
     <p:tnLst>
       <p:par>
@@ -25543,6 +25745,9 @@
   <p:clrMapOvr>
     <a:masterClrMapping/>
   </p:clrMapOvr>
+  <p:transition spd="slow">
+    <p:fade/>
+  </p:transition>
   <p:timing>
     <p:tnLst>
       <p:par>
@@ -25564,7 +25769,7 @@
                             </p:stCondLst>
                             <p:childTnLst>
                               <p:par>
-                                <p:cTn id="5" presetID="1" presetClass="entr" presetSubtype="0" fill="hold" grpId="0" nodeType="clickEffect">
+                                <p:cTn id="5" presetID="22" presetClass="entr" presetSubtype="8" fill="hold" nodeType="clickEffect">
                                   <p:stCondLst>
                                     <p:cond delay="0"/>
                                   </p:stCondLst>
@@ -25572,51 +25777,6 @@
                                     <p:set>
                                       <p:cBhvr>
                                         <p:cTn id="6" dur="1" fill="hold">
-                                          <p:stCondLst>
-                                            <p:cond delay="0"/>
-                                          </p:stCondLst>
-                                        </p:cTn>
-                                        <p:tgtEl>
-                                          <p:spTgt spid="515181"/>
-                                        </p:tgtEl>
-                                        <p:attrNameLst>
-                                          <p:attrName>style.visibility</p:attrName>
-                                        </p:attrNameLst>
-                                      </p:cBhvr>
-                                      <p:to>
-                                        <p:strVal val="visible"/>
-                                      </p:to>
-                                    </p:set>
-                                  </p:childTnLst>
-                                </p:cTn>
-                              </p:par>
-                            </p:childTnLst>
-                          </p:cTn>
-                        </p:par>
-                      </p:childTnLst>
-                    </p:cTn>
-                  </p:par>
-                  <p:par>
-                    <p:cTn id="7" fill="hold">
-                      <p:stCondLst>
-                        <p:cond delay="indefinite"/>
-                      </p:stCondLst>
-                      <p:childTnLst>
-                        <p:par>
-                          <p:cTn id="8" fill="hold">
-                            <p:stCondLst>
-                              <p:cond delay="0"/>
-                            </p:stCondLst>
-                            <p:childTnLst>
-                              <p:par>
-                                <p:cTn id="9" presetID="22" presetClass="entr" presetSubtype="8" fill="hold" nodeType="clickEffect">
-                                  <p:stCondLst>
-                                    <p:cond delay="0"/>
-                                  </p:stCondLst>
-                                  <p:childTnLst>
-                                    <p:set>
-                                      <p:cBhvr>
-                                        <p:cTn id="10" dur="1" fill="hold">
                                           <p:stCondLst>
                                             <p:cond delay="0"/>
                                           </p:stCondLst>
@@ -25634,12 +25794,57 @@
                                     </p:set>
                                     <p:animEffect transition="in" filter="wipe(left)">
                                       <p:cBhvr>
-                                        <p:cTn id="11" dur="500"/>
+                                        <p:cTn id="7" dur="500"/>
                                         <p:tgtEl>
                                           <p:spTgt spid="9"/>
                                         </p:tgtEl>
                                       </p:cBhvr>
                                     </p:animEffect>
+                                  </p:childTnLst>
+                                </p:cTn>
+                              </p:par>
+                            </p:childTnLst>
+                          </p:cTn>
+                        </p:par>
+                      </p:childTnLst>
+                    </p:cTn>
+                  </p:par>
+                  <p:par>
+                    <p:cTn id="8" fill="hold">
+                      <p:stCondLst>
+                        <p:cond delay="indefinite"/>
+                      </p:stCondLst>
+                      <p:childTnLst>
+                        <p:par>
+                          <p:cTn id="9" fill="hold">
+                            <p:stCondLst>
+                              <p:cond delay="0"/>
+                            </p:stCondLst>
+                            <p:childTnLst>
+                              <p:par>
+                                <p:cTn id="10" presetID="1" presetClass="entr" presetSubtype="0" fill="hold" grpId="0" nodeType="clickEffect">
+                                  <p:stCondLst>
+                                    <p:cond delay="0"/>
+                                  </p:stCondLst>
+                                  <p:childTnLst>
+                                    <p:set>
+                                      <p:cBhvr>
+                                        <p:cTn id="11" dur="1" fill="hold">
+                                          <p:stCondLst>
+                                            <p:cond delay="0"/>
+                                          </p:stCondLst>
+                                        </p:cTn>
+                                        <p:tgtEl>
+                                          <p:spTgt spid="515181"/>
+                                        </p:tgtEl>
+                                        <p:attrNameLst>
+                                          <p:attrName>style.visibility</p:attrName>
+                                        </p:attrNameLst>
+                                      </p:cBhvr>
+                                      <p:to>
+                                        <p:strVal val="visible"/>
+                                      </p:to>
+                                    </p:set>
                                   </p:childTnLst>
                                 </p:cTn>
                               </p:par>
@@ -29016,13 +29221,13 @@
         </p:nvSpPr>
         <p:spPr bwMode="auto">
           <a:xfrm>
-            <a:off x="2898775" y="274638"/>
-            <a:ext cx="5835650" cy="4600575"/>
+            <a:off x="2438400" y="762000"/>
+            <a:ext cx="6553200" cy="2514600"/>
           </a:xfrm>
           <a:prstGeom prst="wedgeRoundRectCallout">
             <a:avLst>
-              <a:gd name="adj1" fmla="val -69181"/>
-              <a:gd name="adj2" fmla="val 6315"/>
+              <a:gd name="adj1" fmla="val -61335"/>
+              <a:gd name="adj2" fmla="val 17765"/>
               <a:gd name="adj3" fmla="val 16667"/>
             </a:avLst>
           </a:prstGeom>
@@ -29040,7 +29245,7 @@
           <a:bodyPr lIns="274320" rIns="274320"/>
           <a:lstStyle/>
           <a:p>
-            <a:pPr algn="ctr" eaLnBrk="0" fontAlgn="base" hangingPunct="0">
+            <a:pPr eaLnBrk="0" fontAlgn="base" hangingPunct="0">
               <a:spcBef>
                 <a:spcPct val="0"/>
               </a:spcBef>
@@ -29052,20 +29257,17 @@
               <a:rPr lang="en-US" sz="4400" dirty="0">
                 <a:latin typeface="Comic Sans MS" pitchFamily="66" charset="0"/>
               </a:rPr>
-              <a:t>More on </a:t>
+              <a:t>More</a:t>
             </a:r>
             <a:r>
               <a:rPr lang="en-US" sz="4400" dirty="0" smtClean="0">
                 <a:latin typeface="Comic Sans MS" pitchFamily="66" charset="0"/>
               </a:rPr>
-              <a:t>Monday </a:t>
-            </a:r>
-            <a:r>
-              <a:rPr lang="en-US" sz="4400" dirty="0">
-                <a:latin typeface="Comic Sans MS" pitchFamily="66" charset="0"/>
-              </a:rPr>
-              <a:t>about how polynomials encode counting questions!</a:t>
-            </a:r>
+              <a:t> next lecture about counting with polynomials and series</a:t>
+            </a:r>
+            <a:endParaRPr lang="en-US" sz="4400" dirty="0">
+              <a:latin typeface="Comic Sans MS" pitchFamily="66" charset="0"/>
+            </a:endParaRPr>
           </a:p>
         </p:txBody>
       </p:sp>
@@ -29074,6 +29276,9 @@
   <p:clrMapOvr>
     <a:masterClrMapping/>
   </p:clrMapOvr>
+  <p:transition>
+    <p:fade thruBlk="1"/>
+  </p:transition>
   <p:timing>
     <p:tnLst>
       <p:par>
@@ -29434,10 +29639,19 @@
               </a:spcAft>
             </a:pPr>
             <a:r>
+              <a:rPr lang="en-US" sz="3600" dirty="0">
+                <a:solidFill>
+                  <a:srgbClr val="FF00FF"/>
+                </a:solidFill>
+                <a:latin typeface="Comic Sans MS" pitchFamily="66" charset="0"/>
+              </a:rPr>
+              <a:t>Algebraic Proof</a:t>
+            </a:r>
+            <a:r>
               <a:rPr lang="en-US" sz="3600" i="1" dirty="0">
                 <a:latin typeface="Comic Sans MS" pitchFamily="66" charset="0"/>
               </a:rPr>
-              <a:t>Algebraic Proof </a:t>
+              <a:t> </a:t>
             </a:r>
             <a:r>
               <a:rPr lang="en-US" sz="3600" dirty="0">
@@ -29682,50 +29896,6 @@
           </a:p>
         </p:txBody>
       </p:sp>
-      <p:sp>
-        <p:nvSpPr>
-          <p:cNvPr id="16389" name="Rectangle 5"/>
-          <p:cNvSpPr>
-            <a:spLocks noGrp="1" noChangeArrowheads="1"/>
-          </p:cNvSpPr>
-          <p:nvPr>
-            <p:ph type="title" idx="4294967295"/>
-          </p:nvPr>
-        </p:nvSpPr>
-        <p:spPr>
-          <a:xfrm>
-            <a:off x="1600200" y="304800"/>
-            <a:ext cx="7543800" cy="1143000"/>
-          </a:xfrm>
-        </p:spPr>
-        <p:txBody>
-          <a:bodyPr/>
-          <a:lstStyle/>
-          <a:p>
-            <a:pPr eaLnBrk="1" hangingPunct="1"/>
-            <a:r>
-              <a:rPr lang="en-US" dirty="0">
-                <a:solidFill>
-                  <a:srgbClr val="7030A0"/>
-                </a:solidFill>
-              </a:rPr>
-              <a:t>Combinatorial</a:t>
-            </a:r>
-            <a:r>
-              <a:rPr lang="en-US" dirty="0"/>
-              <a:t>  </a:t>
-            </a:r>
-            <a:r>
-              <a:rPr lang="en-US" dirty="0">
-                <a:solidFill>
-                  <a:schemeClr val="tx1"/>
-                </a:solidFill>
-              </a:rPr>
-              <a:t>Proof</a:t>
-            </a:r>
-          </a:p>
-        </p:txBody>
-      </p:sp>
       <p:graphicFrame>
         <p:nvGraphicFramePr>
           <p:cNvPr id="16386" name="Object 4"/>
@@ -29756,7 +29926,7 @@
         </p:nvSpPr>
         <p:spPr bwMode="auto">
           <a:xfrm>
-            <a:off x="762000" y="1584325"/>
+            <a:off x="762000" y="1447800"/>
             <a:ext cx="7597775" cy="830263"/>
           </a:xfrm>
           <a:prstGeom prst="rect">
@@ -29821,7 +29991,7 @@
         </p:nvSpPr>
         <p:spPr bwMode="auto">
           <a:xfrm>
-            <a:off x="727075" y="2741613"/>
+            <a:off x="727075" y="2590800"/>
             <a:ext cx="7731125" cy="2124075"/>
           </a:xfrm>
           <a:prstGeom prst="rect">
@@ -29995,6 +30165,123 @@
               </a:rPr>
               <a:t>1</a:t>
             </a:r>
+          </a:p>
+        </p:txBody>
+      </p:sp>
+      <p:sp>
+        <p:nvSpPr>
+          <p:cNvPr id="7" name="Rectangle 6"/>
+          <p:cNvSpPr txBox="1">
+            <a:spLocks noChangeArrowheads="1"/>
+          </p:cNvSpPr>
+          <p:nvPr/>
+        </p:nvSpPr>
+        <p:spPr bwMode="auto">
+          <a:xfrm>
+            <a:off x="1600200" y="304800"/>
+            <a:ext cx="7543800" cy="1143000"/>
+          </a:xfrm>
+          <a:prstGeom prst="rect">
+            <a:avLst/>
+          </a:prstGeom>
+          <a:noFill/>
+          <a:ln w="9525">
+            <a:noFill/>
+            <a:miter lim="800000"/>
+            <a:headEnd/>
+            <a:tailEnd/>
+          </a:ln>
+        </p:spPr>
+        <p:txBody>
+          <a:bodyPr vert="horz" wrap="square" lIns="91440" tIns="45720" rIns="91440" bIns="45720" numCol="1" anchor="ctr" anchorCtr="0" compatLnSpc="1">
+            <a:prstTxWarp prst="textNoShape">
+              <a:avLst/>
+            </a:prstTxWarp>
+          </a:bodyPr>
+          <a:lstStyle/>
+          <a:p>
+            <a:pPr marL="0" marR="0" lvl="0" indent="0" algn="l" defTabSz="914400" rtl="0" eaLnBrk="1" fontAlgn="base" latinLnBrk="0" hangingPunct="1">
+              <a:lnSpc>
+                <a:spcPct val="100000"/>
+              </a:lnSpc>
+              <a:spcBef>
+                <a:spcPct val="0"/>
+              </a:spcBef>
+              <a:spcAft>
+                <a:spcPct val="0"/>
+              </a:spcAft>
+              <a:buClrTx/>
+              <a:buSzTx/>
+              <a:buFontTx/>
+              <a:buNone/>
+              <a:tabLst/>
+              <a:defRPr/>
+            </a:pPr>
+            <a:r>
+              <a:rPr kumimoji="0" lang="en-US" sz="4000" b="1" i="0" u="none" strike="noStrike" kern="1200" cap="none" spc="0" normalizeH="0" baseline="0" noProof="0" dirty="0" smtClean="0">
+                <a:ln>
+                  <a:noFill/>
+                </a:ln>
+                <a:solidFill>
+                  <a:srgbClr val="FF00FF"/>
+                </a:solidFill>
+                <a:effectLst/>
+                <a:uLnTx/>
+                <a:uFillTx/>
+                <a:latin typeface="+mj-lt"/>
+                <a:ea typeface="+mj-ea"/>
+                <a:cs typeface="+mj-cs"/>
+              </a:rPr>
+              <a:t>Combinatorial</a:t>
+            </a:r>
+            <a:r>
+              <a:rPr kumimoji="0" lang="en-US" sz="4000" b="1" i="0" u="none" strike="noStrike" kern="1200" cap="none" spc="0" normalizeH="0" baseline="0" noProof="0" dirty="0" smtClean="0">
+                <a:ln>
+                  <a:noFill/>
+                </a:ln>
+                <a:solidFill>
+                  <a:srgbClr val="0000FF"/>
+                </a:solidFill>
+                <a:effectLst/>
+                <a:uLnTx/>
+                <a:uFillTx/>
+                <a:latin typeface="+mj-lt"/>
+                <a:ea typeface="+mj-ea"/>
+                <a:cs typeface="+mj-cs"/>
+              </a:rPr>
+              <a:t> </a:t>
+            </a:r>
+            <a:r>
+              <a:rPr kumimoji="0" lang="en-US" sz="4000" b="1" i="0" u="none" strike="noStrike" kern="1200" cap="none" spc="0" normalizeH="0" baseline="0" noProof="0" dirty="0" smtClean="0">
+                <a:ln>
+                  <a:noFill/>
+                </a:ln>
+                <a:solidFill>
+                  <a:schemeClr val="tx1"/>
+                </a:solidFill>
+                <a:effectLst/>
+                <a:uLnTx/>
+                <a:uFillTx/>
+                <a:latin typeface="+mj-lt"/>
+                <a:ea typeface="+mj-ea"/>
+                <a:cs typeface="+mj-cs"/>
+              </a:rPr>
+              <a:t>Proof</a:t>
+            </a:r>
+            <a:endParaRPr kumimoji="0" lang="en-US" sz="4000" b="1" i="0" u="none" strike="noStrike" kern="1200" cap="none" spc="0" normalizeH="0" baseline="0" noProof="0" dirty="0">
+              <a:ln>
+                <a:noFill/>
+              </a:ln>
+              <a:solidFill>
+                <a:schemeClr val="tx1"/>
+              </a:solidFill>
+              <a:effectLst/>
+              <a:uLnTx/>
+              <a:uFillTx/>
+              <a:latin typeface="+mj-lt"/>
+              <a:ea typeface="+mj-ea"/>
+              <a:cs typeface="+mj-cs"/>
+            </a:endParaRPr>
           </a:p>
         </p:txBody>
       </p:sp>
@@ -30248,26 +30535,6 @@
           <a:chExt cx="0" cy="0"/>
         </a:xfrm>
       </p:grpSpPr>
-      <p:graphicFrame>
-        <p:nvGraphicFramePr>
-          <p:cNvPr id="17410" name="Object 3"/>
-          <p:cNvGraphicFramePr>
-            <a:graphicFrameLocks noChangeAspect="1"/>
-          </p:cNvGraphicFramePr>
-          <p:nvPr/>
-        </p:nvGraphicFramePr>
-        <p:xfrm>
-          <a:off x="1263650" y="2590800"/>
-          <a:ext cx="6618288" cy="3392487"/>
-        </p:xfrm>
-        <a:graphic>
-          <a:graphicData uri="http://schemas.openxmlformats.org/presentationml/2006/ole">
-            <p:oleObj spid="_x0000_s17410" name="Equation" r:id="rId4" imgW="1447800" imgH="736600" progId="Equation.DSMT4">
-              <p:embed/>
-            </p:oleObj>
-          </a:graphicData>
-        </a:graphic>
-      </p:graphicFrame>
       <p:sp>
         <p:nvSpPr>
           <p:cNvPr id="17413" name="Text Box 5"/>
@@ -30338,7 +30605,7 @@
         </p:xfrm>
         <a:graphic>
           <a:graphicData uri="http://schemas.openxmlformats.org/presentationml/2006/ole">
-            <p:oleObj spid="_x0000_s17411" name="Equation" r:id="rId5" imgW="435285" imgH="677109" progId="Equation.DSMT4">
+            <p:oleObj spid="_x0000_s17411" name="Equation" r:id="rId4" imgW="435285" imgH="677109" progId="Equation.DSMT4">
               <p:embed/>
             </p:oleObj>
           </a:graphicData>
@@ -30354,7 +30621,7 @@
         </p:nvSpPr>
         <p:spPr bwMode="auto">
           <a:xfrm>
-            <a:off x="762000" y="1584325"/>
+            <a:off x="762000" y="1447800"/>
             <a:ext cx="7597775" cy="830263"/>
           </a:xfrm>
           <a:prstGeom prst="rect">
@@ -30411,7 +30678,7 @@
       </p:sp>
       <p:sp>
         <p:nvSpPr>
-          <p:cNvPr id="7" name="Rectangle 5"/>
+          <p:cNvPr id="8" name="Rectangle 6"/>
           <p:cNvSpPr txBox="1">
             <a:spLocks noChangeArrowheads="1"/>
           </p:cNvSpPr>
@@ -30459,12 +30726,26 @@
               <a:defRPr/>
             </a:pPr>
             <a:r>
-              <a:rPr kumimoji="0" lang="en-US" sz="3600" b="1" i="0" u="none" strike="noStrike" kern="1200" cap="none" spc="0" normalizeH="0" baseline="0" noProof="0" smtClean="0">
+              <a:rPr kumimoji="0" lang="en-US" sz="4000" b="1" i="0" u="none" strike="noStrike" kern="1200" cap="none" spc="0" normalizeH="0" baseline="0" noProof="0" dirty="0" smtClean="0">
+                <a:ln>
+                  <a:noFill/>
+                </a:ln>
+                <a:effectLst/>
+                <a:uLnTx/>
+                <a:uFillTx/>
+                <a:latin typeface="+mj-lt"/>
+                <a:ea typeface="+mj-ea"/>
+                <a:cs typeface="+mj-cs"/>
+              </a:rPr>
+              <a:t>Combinatorial</a:t>
+            </a:r>
+            <a:r>
+              <a:rPr kumimoji="0" lang="en-US" sz="4000" b="1" i="0" u="none" strike="noStrike" kern="1200" cap="none" spc="0" normalizeH="0" baseline="0" noProof="0" dirty="0" smtClean="0">
                 <a:ln>
                   <a:noFill/>
                 </a:ln>
                 <a:solidFill>
-                  <a:srgbClr val="7030A0"/>
+                  <a:srgbClr val="0000FF"/>
                 </a:solidFill>
                 <a:effectLst/>
                 <a:uLnTx/>
@@ -30473,27 +30754,10 @@
                 <a:ea typeface="+mj-ea"/>
                 <a:cs typeface="+mj-cs"/>
               </a:rPr>
-              <a:t>Combinatorial</a:t>
-            </a:r>
-            <a:r>
-              <a:rPr kumimoji="0" lang="en-US" sz="3600" b="1" i="0" u="none" strike="noStrike" kern="1200" cap="none" spc="0" normalizeH="0" baseline="0" noProof="0" smtClean="0">
-                <a:ln>
-                  <a:noFill/>
-                </a:ln>
-                <a:solidFill>
-                  <a:schemeClr val="tx2"/>
-                </a:solidFill>
-                <a:effectLst/>
-                <a:uLnTx/>
-                <a:uFillTx/>
-                <a:latin typeface="+mj-lt"/>
-                <a:ea typeface="+mj-ea"/>
-                <a:cs typeface="+mj-cs"/>
-              </a:rPr>
-              <a:t>  </a:t>
-            </a:r>
-            <a:r>
-              <a:rPr kumimoji="0" lang="en-US" sz="3600" b="1" i="0" u="none" strike="noStrike" kern="1200" cap="none" spc="0" normalizeH="0" baseline="0" noProof="0" smtClean="0">
+              <a:t> </a:t>
+            </a:r>
+            <a:r>
+              <a:rPr kumimoji="0" lang="en-US" sz="4000" b="1" i="0" u="none" strike="noStrike" kern="1200" cap="none" spc="0" normalizeH="0" baseline="0" noProof="0" dirty="0" smtClean="0">
                 <a:ln>
                   <a:noFill/>
                 </a:ln>
@@ -30509,7 +30773,7 @@
               </a:rPr>
               <a:t>Proof</a:t>
             </a:r>
-            <a:endParaRPr kumimoji="0" lang="en-US" sz="3600" b="1" i="0" u="none" strike="noStrike" kern="1200" cap="none" spc="0" normalizeH="0" baseline="0" noProof="0" dirty="0">
+            <a:endParaRPr kumimoji="0" lang="en-US" sz="4000" b="1" i="0" u="none" strike="noStrike" kern="1200" cap="none" spc="0" normalizeH="0" baseline="0" noProof="0" dirty="0">
               <a:ln>
                 <a:noFill/>
               </a:ln>
@@ -30526,12 +30790,32 @@
           </a:p>
         </p:txBody>
       </p:sp>
+      <p:graphicFrame>
+        <p:nvGraphicFramePr>
+          <p:cNvPr id="17414" name="Object 4"/>
+          <p:cNvGraphicFramePr>
+            <a:graphicFrameLocks noChangeAspect="1"/>
+          </p:cNvGraphicFramePr>
+          <p:nvPr/>
+        </p:nvGraphicFramePr>
+        <p:xfrm>
+          <a:off x="1293813" y="2590800"/>
+          <a:ext cx="6556375" cy="3278188"/>
+        </p:xfrm>
+        <a:graphic>
+          <a:graphicData uri="http://schemas.openxmlformats.org/presentationml/2006/ole">
+            <p:oleObj spid="_x0000_s17414" name="Equation" r:id="rId5" imgW="1473200" imgH="736600" progId="Equation.DSMT4">
+              <p:embed/>
+            </p:oleObj>
+          </a:graphicData>
+        </a:graphic>
+      </p:graphicFrame>
     </p:spTree>
   </p:cSld>
   <p:clrMapOvr>
     <a:masterClrMapping/>
   </p:clrMapOvr>
-  <p:transition>
+  <p:transition spd="slow">
     <p:fade/>
   </p:transition>
   <p:timing>
@@ -30647,7 +30931,7 @@
         </p:nvSpPr>
         <p:spPr bwMode="auto">
           <a:xfrm>
-            <a:off x="762000" y="1584325"/>
+            <a:off x="762000" y="1447800"/>
             <a:ext cx="7597775" cy="830263"/>
           </a:xfrm>
           <a:prstGeom prst="rect">
@@ -30724,7 +31008,7 @@
       </p:graphicFrame>
       <p:sp>
         <p:nvSpPr>
-          <p:cNvPr id="7" name="Rectangle 5"/>
+          <p:cNvPr id="8" name="Rectangle 6"/>
           <p:cNvSpPr txBox="1">
             <a:spLocks noChangeArrowheads="1"/>
           </p:cNvSpPr>
@@ -30772,12 +31056,26 @@
               <a:defRPr/>
             </a:pPr>
             <a:r>
-              <a:rPr kumimoji="0" lang="en-US" sz="3600" b="1" i="0" u="none" strike="noStrike" kern="1200" cap="none" spc="0" normalizeH="0" baseline="0" noProof="0" smtClean="0">
+              <a:rPr kumimoji="0" lang="en-US" sz="4000" b="1" i="0" u="none" strike="noStrike" kern="1200" cap="none" spc="0" normalizeH="0" baseline="0" noProof="0" dirty="0" smtClean="0">
+                <a:ln>
+                  <a:noFill/>
+                </a:ln>
+                <a:effectLst/>
+                <a:uLnTx/>
+                <a:uFillTx/>
+                <a:latin typeface="+mj-lt"/>
+                <a:ea typeface="+mj-ea"/>
+                <a:cs typeface="+mj-cs"/>
+              </a:rPr>
+              <a:t>Combinatorial</a:t>
+            </a:r>
+            <a:r>
+              <a:rPr kumimoji="0" lang="en-US" sz="4000" b="1" i="0" u="none" strike="noStrike" kern="1200" cap="none" spc="0" normalizeH="0" baseline="0" noProof="0" dirty="0" smtClean="0">
                 <a:ln>
                   <a:noFill/>
                 </a:ln>
                 <a:solidFill>
-                  <a:srgbClr val="7030A0"/>
+                  <a:srgbClr val="0000FF"/>
                 </a:solidFill>
                 <a:effectLst/>
                 <a:uLnTx/>
@@ -30786,27 +31084,10 @@
                 <a:ea typeface="+mj-ea"/>
                 <a:cs typeface="+mj-cs"/>
               </a:rPr>
-              <a:t>Combinatorial</a:t>
-            </a:r>
-            <a:r>
-              <a:rPr kumimoji="0" lang="en-US" sz="3600" b="1" i="0" u="none" strike="noStrike" kern="1200" cap="none" spc="0" normalizeH="0" baseline="0" noProof="0" smtClean="0">
-                <a:ln>
-                  <a:noFill/>
-                </a:ln>
-                <a:solidFill>
-                  <a:schemeClr val="tx2"/>
-                </a:solidFill>
-                <a:effectLst/>
-                <a:uLnTx/>
-                <a:uFillTx/>
-                <a:latin typeface="+mj-lt"/>
-                <a:ea typeface="+mj-ea"/>
-                <a:cs typeface="+mj-cs"/>
-              </a:rPr>
-              <a:t>  </a:t>
-            </a:r>
-            <a:r>
-              <a:rPr kumimoji="0" lang="en-US" sz="3600" b="1" i="0" u="none" strike="noStrike" kern="1200" cap="none" spc="0" normalizeH="0" baseline="0" noProof="0" smtClean="0">
+              <a:t> </a:t>
+            </a:r>
+            <a:r>
+              <a:rPr kumimoji="0" lang="en-US" sz="4000" b="1" i="0" u="none" strike="noStrike" kern="1200" cap="none" spc="0" normalizeH="0" baseline="0" noProof="0" dirty="0" smtClean="0">
                 <a:ln>
                   <a:noFill/>
                 </a:ln>
@@ -30822,7 +31103,7 @@
               </a:rPr>
               <a:t>Proof</a:t>
             </a:r>
-            <a:endParaRPr kumimoji="0" lang="en-US" sz="3600" b="1" i="0" u="none" strike="noStrike" kern="1200" cap="none" spc="0" normalizeH="0" baseline="0" noProof="0" dirty="0">
+            <a:endParaRPr kumimoji="0" lang="en-US" sz="4000" b="1" i="0" u="none" strike="noStrike" kern="1200" cap="none" spc="0" normalizeH="0" baseline="0" noProof="0" dirty="0">
               <a:ln>
                 <a:noFill/>
               </a:ln>
@@ -30960,7 +31241,7 @@
         </p:nvSpPr>
         <p:spPr bwMode="auto">
           <a:xfrm>
-            <a:off x="762000" y="1584325"/>
+            <a:off x="762000" y="1447800"/>
             <a:ext cx="7597775" cy="830263"/>
           </a:xfrm>
           <a:prstGeom prst="rect">
@@ -31037,7 +31318,7 @@
       </p:graphicFrame>
       <p:sp>
         <p:nvSpPr>
-          <p:cNvPr id="7" name="Rectangle 5"/>
+          <p:cNvPr id="8" name="Rectangle 6"/>
           <p:cNvSpPr txBox="1">
             <a:spLocks noChangeArrowheads="1"/>
           </p:cNvSpPr>
@@ -31085,12 +31366,26 @@
               <a:defRPr/>
             </a:pPr>
             <a:r>
-              <a:rPr kumimoji="0" lang="en-US" sz="3600" b="1" i="0" u="none" strike="noStrike" kern="1200" cap="none" spc="0" normalizeH="0" baseline="0" noProof="0" smtClean="0">
+              <a:rPr kumimoji="0" lang="en-US" sz="4000" b="1" i="0" u="none" strike="noStrike" kern="1200" cap="none" spc="0" normalizeH="0" baseline="0" noProof="0" dirty="0" smtClean="0">
+                <a:ln>
+                  <a:noFill/>
+                </a:ln>
+                <a:effectLst/>
+                <a:uLnTx/>
+                <a:uFillTx/>
+                <a:latin typeface="+mj-lt"/>
+                <a:ea typeface="+mj-ea"/>
+                <a:cs typeface="+mj-cs"/>
+              </a:rPr>
+              <a:t>Combinatorial</a:t>
+            </a:r>
+            <a:r>
+              <a:rPr kumimoji="0" lang="en-US" sz="4000" b="1" i="0" u="none" strike="noStrike" kern="1200" cap="none" spc="0" normalizeH="0" baseline="0" noProof="0" dirty="0" smtClean="0">
                 <a:ln>
                   <a:noFill/>
                 </a:ln>
                 <a:solidFill>
-                  <a:srgbClr val="7030A0"/>
+                  <a:srgbClr val="0000FF"/>
                 </a:solidFill>
                 <a:effectLst/>
                 <a:uLnTx/>
@@ -31099,27 +31394,10 @@
                 <a:ea typeface="+mj-ea"/>
                 <a:cs typeface="+mj-cs"/>
               </a:rPr>
-              <a:t>Combinatorial</a:t>
-            </a:r>
-            <a:r>
-              <a:rPr kumimoji="0" lang="en-US" sz="3600" b="1" i="0" u="none" strike="noStrike" kern="1200" cap="none" spc="0" normalizeH="0" baseline="0" noProof="0" smtClean="0">
-                <a:ln>
-                  <a:noFill/>
-                </a:ln>
-                <a:solidFill>
-                  <a:schemeClr val="tx2"/>
-                </a:solidFill>
-                <a:effectLst/>
-                <a:uLnTx/>
-                <a:uFillTx/>
-                <a:latin typeface="+mj-lt"/>
-                <a:ea typeface="+mj-ea"/>
-                <a:cs typeface="+mj-cs"/>
-              </a:rPr>
-              <a:t>  </a:t>
-            </a:r>
-            <a:r>
-              <a:rPr kumimoji="0" lang="en-US" sz="3600" b="1" i="0" u="none" strike="noStrike" kern="1200" cap="none" spc="0" normalizeH="0" baseline="0" noProof="0" smtClean="0">
+              <a:t> </a:t>
+            </a:r>
+            <a:r>
+              <a:rPr kumimoji="0" lang="en-US" sz="4000" b="1" i="0" u="none" strike="noStrike" kern="1200" cap="none" spc="0" normalizeH="0" baseline="0" noProof="0" dirty="0" smtClean="0">
                 <a:ln>
                   <a:noFill/>
                 </a:ln>
@@ -31135,7 +31413,7 @@
               </a:rPr>
               <a:t>Proof</a:t>
             </a:r>
-            <a:endParaRPr kumimoji="0" lang="en-US" sz="3600" b="1" i="0" u="none" strike="noStrike" kern="1200" cap="none" spc="0" normalizeH="0" baseline="0" noProof="0" dirty="0">
+            <a:endParaRPr kumimoji="0" lang="en-US" sz="4000" b="1" i="0" u="none" strike="noStrike" kern="1200" cap="none" spc="0" normalizeH="0" baseline="0" noProof="0" dirty="0">
               <a:ln>
                 <a:noFill/>
               </a:ln>
@@ -31152,6 +31430,44 @@
           </a:p>
         </p:txBody>
       </p:sp>
+      <p:sp>
+        <p:nvSpPr>
+          <p:cNvPr id="9" name="TextBox 8"/>
+          <p:cNvSpPr txBox="1"/>
+          <p:nvPr/>
+        </p:nvSpPr>
+        <p:spPr>
+          <a:xfrm>
+            <a:off x="2362200" y="2140803"/>
+            <a:ext cx="1552829" cy="830997"/>
+          </a:xfrm>
+          <a:prstGeom prst="rect">
+            <a:avLst/>
+          </a:prstGeom>
+          <a:noFill/>
+        </p:spPr>
+        <p:txBody>
+          <a:bodyPr wrap="none" rtlCol="0">
+            <a:spAutoFit/>
+          </a:bodyPr>
+          <a:lstStyle/>
+          <a:p>
+            <a:r>
+              <a:rPr lang="en-US" sz="4800" dirty="0" smtClean="0">
+                <a:solidFill>
+                  <a:srgbClr val="FF00FF"/>
+                </a:solidFill>
+              </a:rPr>
+              <a:t>QED</a:t>
+            </a:r>
+            <a:endParaRPr lang="en-US" sz="4800" dirty="0">
+              <a:solidFill>
+                <a:srgbClr val="FF00FF"/>
+              </a:solidFill>
+            </a:endParaRPr>
+          </a:p>
+        </p:txBody>
+      </p:sp>
     </p:spTree>
   </p:cSld>
   <p:clrMapOvr>
@@ -31163,15 +31479,163 @@
   <p:timing>
     <p:tnLst>
       <p:par>
-        <p:cTn id="1" dur="indefinite" restart="never" nodeType="tmRoot"/>
+        <p:cTn id="1" dur="indefinite" restart="never" nodeType="tmRoot">
+          <p:childTnLst>
+            <p:seq concurrent="1" nextAc="seek">
+              <p:cTn id="2" dur="indefinite" nodeType="mainSeq">
+                <p:childTnLst>
+                  <p:par>
+                    <p:cTn id="3" fill="hold">
+                      <p:stCondLst>
+                        <p:cond delay="indefinite"/>
+                      </p:stCondLst>
+                      <p:childTnLst>
+                        <p:par>
+                          <p:cTn id="4" fill="hold">
+                            <p:stCondLst>
+                              <p:cond delay="0"/>
+                            </p:stCondLst>
+                            <p:childTnLst>
+                              <p:par>
+                                <p:cTn id="5" presetID="49" presetClass="entr" presetSubtype="0" decel="100000" fill="hold" grpId="0" nodeType="clickEffect">
+                                  <p:stCondLst>
+                                    <p:cond delay="0"/>
+                                  </p:stCondLst>
+                                  <p:childTnLst>
+                                    <p:set>
+                                      <p:cBhvr>
+                                        <p:cTn id="6" dur="1" fill="hold">
+                                          <p:stCondLst>
+                                            <p:cond delay="0"/>
+                                          </p:stCondLst>
+                                        </p:cTn>
+                                        <p:tgtEl>
+                                          <p:spTgt spid="9"/>
+                                        </p:tgtEl>
+                                        <p:attrNameLst>
+                                          <p:attrName>style.visibility</p:attrName>
+                                        </p:attrNameLst>
+                                      </p:cBhvr>
+                                      <p:to>
+                                        <p:strVal val="visible"/>
+                                      </p:to>
+                                    </p:set>
+                                    <p:anim calcmode="lin" valueType="num">
+                                      <p:cBhvr>
+                                        <p:cTn id="7" dur="500" fill="hold"/>
+                                        <p:tgtEl>
+                                          <p:spTgt spid="9"/>
+                                        </p:tgtEl>
+                                        <p:attrNameLst>
+                                          <p:attrName>ppt_w</p:attrName>
+                                        </p:attrNameLst>
+                                      </p:cBhvr>
+                                      <p:tavLst>
+                                        <p:tav tm="0">
+                                          <p:val>
+                                            <p:fltVal val="0"/>
+                                          </p:val>
+                                        </p:tav>
+                                        <p:tav tm="100000">
+                                          <p:val>
+                                            <p:strVal val="#ppt_w"/>
+                                          </p:val>
+                                        </p:tav>
+                                      </p:tavLst>
+                                    </p:anim>
+                                    <p:anim calcmode="lin" valueType="num">
+                                      <p:cBhvr>
+                                        <p:cTn id="8" dur="500" fill="hold"/>
+                                        <p:tgtEl>
+                                          <p:spTgt spid="9"/>
+                                        </p:tgtEl>
+                                        <p:attrNameLst>
+                                          <p:attrName>ppt_h</p:attrName>
+                                        </p:attrNameLst>
+                                      </p:cBhvr>
+                                      <p:tavLst>
+                                        <p:tav tm="0">
+                                          <p:val>
+                                            <p:fltVal val="0"/>
+                                          </p:val>
+                                        </p:tav>
+                                        <p:tav tm="100000">
+                                          <p:val>
+                                            <p:strVal val="#ppt_h"/>
+                                          </p:val>
+                                        </p:tav>
+                                      </p:tavLst>
+                                    </p:anim>
+                                    <p:anim calcmode="lin" valueType="num">
+                                      <p:cBhvr>
+                                        <p:cTn id="9" dur="500" fill="hold"/>
+                                        <p:tgtEl>
+                                          <p:spTgt spid="9"/>
+                                        </p:tgtEl>
+                                        <p:attrNameLst>
+                                          <p:attrName>style.rotation</p:attrName>
+                                        </p:attrNameLst>
+                                      </p:cBhvr>
+                                      <p:tavLst>
+                                        <p:tav tm="0">
+                                          <p:val>
+                                            <p:fltVal val="360"/>
+                                          </p:val>
+                                        </p:tav>
+                                        <p:tav tm="100000">
+                                          <p:val>
+                                            <p:fltVal val="0"/>
+                                          </p:val>
+                                        </p:tav>
+                                      </p:tavLst>
+                                    </p:anim>
+                                    <p:animEffect transition="in" filter="fade">
+                                      <p:cBhvr>
+                                        <p:cTn id="10" dur="500"/>
+                                        <p:tgtEl>
+                                          <p:spTgt spid="9"/>
+                                        </p:tgtEl>
+                                      </p:cBhvr>
+                                    </p:animEffect>
+                                  </p:childTnLst>
+                                </p:cTn>
+                              </p:par>
+                            </p:childTnLst>
+                          </p:cTn>
+                        </p:par>
+                      </p:childTnLst>
+                    </p:cTn>
+                  </p:par>
+                </p:childTnLst>
+              </p:cTn>
+              <p:prevCondLst>
+                <p:cond evt="onPrev" delay="0">
+                  <p:tgtEl>
+                    <p:sldTgt/>
+                  </p:tgtEl>
+                </p:cond>
+              </p:prevCondLst>
+              <p:nextCondLst>
+                <p:cond evt="onNext" delay="0">
+                  <p:tgtEl>
+                    <p:sldTgt/>
+                  </p:tgtEl>
+                </p:cond>
+              </p:nextCondLst>
+            </p:seq>
+          </p:childTnLst>
+        </p:cTn>
       </p:par>
     </p:tnLst>
+    <p:bldLst>
+      <p:bldP spid="9" grpId="0"/>
+    </p:bldLst>
   </p:timing>
 </p:sld>
 </file>
 
 <file path=ppt/slides/slide27.xml><?xml version="1.0" encoding="utf-8"?>
-<p:sld xmlns:a="http://schemas.openxmlformats.org/drawingml/2006/main" xmlns:r="http://schemas.openxmlformats.org/officeDocument/2006/relationships" xmlns:mc="http://schemas.openxmlformats.org/markup-compatibility/2006" xmlns:mv="urn:schemas-microsoft-com:mac:vml" xmlns:p="http://schemas.openxmlformats.org/presentationml/2006/main" mc:Ignorable="mv" mc:PreserveAttributes="mv:*" show="0">
+<p:sld xmlns:a="http://schemas.openxmlformats.org/drawingml/2006/main" xmlns:r="http://schemas.openxmlformats.org/officeDocument/2006/relationships" xmlns:mc="http://schemas.openxmlformats.org/markup-compatibility/2006" xmlns:mv="urn:schemas-microsoft-com:mac:vml" xmlns:p="http://schemas.openxmlformats.org/presentationml/2006/main" mc:Ignorable="mv" mc:PreserveAttributes="mv:*">
   <p:cSld>
     <p:spTree>
       <p:nvGrpSpPr>
@@ -31265,25 +31729,34 @@
           <a:p>
             <a:pPr eaLnBrk="1" hangingPunct="1"/>
             <a:r>
-              <a:rPr lang="en-US" i="1">
+              <a:rPr lang="en-US" sz="4000" dirty="0">
                 <a:solidFill>
-                  <a:srgbClr val="FFFF00"/>
+                  <a:srgbClr val="000000"/>
                 </a:solidFill>
               </a:rPr>
               <a:t>Combinatorial</a:t>
             </a:r>
             <a:r>
-              <a:rPr lang="en-US"/>
-              <a:t>  </a:t>
-            </a:r>
-            <a:r>
-              <a:rPr lang="en-US">
+              <a:rPr lang="en-US" sz="4000" dirty="0" smtClean="0">
+                <a:solidFill>
+                  <a:srgbClr val="0000FF"/>
+                </a:solidFill>
+              </a:rPr>
+              <a:t> </a:t>
+            </a:r>
+            <a:r>
+              <a:rPr lang="en-US" sz="4000" dirty="0" smtClean="0">
                 <a:solidFill>
                   <a:schemeClr val="tx1"/>
                 </a:solidFill>
               </a:rPr>
-              <a:t>Proof</a:t>
-            </a:r>
+              <a:t>Proof, II</a:t>
+            </a:r>
+            <a:endParaRPr lang="en-US" sz="4000" dirty="0">
+              <a:solidFill>
+                <a:schemeClr val="tx1"/>
+              </a:solidFill>
+            </a:endParaRPr>
           </a:p>
         </p:txBody>
       </p:sp>
@@ -31316,12 +31789,12 @@
           <p:nvPr/>
         </p:nvGraphicFramePr>
         <p:xfrm>
-          <a:off x="1528763" y="1905000"/>
-          <a:ext cx="6091237" cy="3124200"/>
+          <a:off x="1528763" y="1631950"/>
+          <a:ext cx="6091237" cy="3670300"/>
         </p:xfrm>
         <a:graphic>
           <a:graphicData uri="http://schemas.openxmlformats.org/presentationml/2006/ole">
-            <p:oleObj spid="_x0000_s20483" name="Equation" r:id="rId5" imgW="990600" imgH="508000" progId="Equation.DSMT4">
+            <p:oleObj spid="_x0000_s20483" name="Equation" r:id="rId5" imgW="990600" imgH="596900" progId="Equation.DSMT4">
               <p:embed/>
             </p:oleObj>
           </a:graphicData>
@@ -31338,7 +31811,83 @@
   <p:timing>
     <p:tnLst>
       <p:par>
-        <p:cTn id="1" dur="indefinite" restart="never" nodeType="tmRoot"/>
+        <p:cTn id="1" dur="indefinite" restart="never" nodeType="tmRoot">
+          <p:childTnLst>
+            <p:seq concurrent="1" nextAc="seek">
+              <p:cTn id="2" dur="indefinite" nodeType="mainSeq">
+                <p:childTnLst>
+                  <p:par>
+                    <p:cTn id="3" fill="hold">
+                      <p:stCondLst>
+                        <p:cond delay="indefinite"/>
+                      </p:stCondLst>
+                      <p:childTnLst>
+                        <p:par>
+                          <p:cTn id="4" fill="hold">
+                            <p:stCondLst>
+                              <p:cond delay="0"/>
+                            </p:stCondLst>
+                            <p:childTnLst>
+                              <p:par>
+                                <p:cTn id="5" presetID="22" presetClass="entr" presetSubtype="8" fill="hold" nodeType="clickEffect">
+                                  <p:stCondLst>
+                                    <p:cond delay="0"/>
+                                  </p:stCondLst>
+                                  <p:childTnLst>
+                                    <p:set>
+                                      <p:cBhvr>
+                                        <p:cTn id="6" dur="1" fill="hold">
+                                          <p:stCondLst>
+                                            <p:cond delay="0"/>
+                                          </p:stCondLst>
+                                        </p:cTn>
+                                        <p:tgtEl>
+                                          <p:spTgt spid="20483"/>
+                                        </p:tgtEl>
+                                        <p:attrNameLst>
+                                          <p:attrName>style.visibility</p:attrName>
+                                        </p:attrNameLst>
+                                      </p:cBhvr>
+                                      <p:to>
+                                        <p:strVal val="visible"/>
+                                      </p:to>
+                                    </p:set>
+                                    <p:animEffect transition="in" filter="wipe(left)">
+                                      <p:cBhvr>
+                                        <p:cTn id="7" dur="500"/>
+                                        <p:tgtEl>
+                                          <p:spTgt spid="20483"/>
+                                        </p:tgtEl>
+                                      </p:cBhvr>
+                                    </p:animEffect>
+                                  </p:childTnLst>
+                                </p:cTn>
+                              </p:par>
+                            </p:childTnLst>
+                          </p:cTn>
+                        </p:par>
+                      </p:childTnLst>
+                    </p:cTn>
+                  </p:par>
+                </p:childTnLst>
+              </p:cTn>
+              <p:prevCondLst>
+                <p:cond evt="onPrev" delay="0">
+                  <p:tgtEl>
+                    <p:sldTgt/>
+                  </p:tgtEl>
+                </p:cond>
+              </p:prevCondLst>
+              <p:nextCondLst>
+                <p:cond evt="onNext" delay="0">
+                  <p:tgtEl>
+                    <p:sldTgt/>
+                  </p:tgtEl>
+                </p:cond>
+              </p:nextCondLst>
+            </p:seq>
+          </p:childTnLst>
+        </p:cTn>
       </p:par>
     </p:tnLst>
   </p:timing>
@@ -31346,7 +31895,7 @@
 </file>
 
 <file path=ppt/slides/slide28.xml><?xml version="1.0" encoding="utf-8"?>
-<p:sld xmlns:a="http://schemas.openxmlformats.org/drawingml/2006/main" xmlns:r="http://schemas.openxmlformats.org/officeDocument/2006/relationships" xmlns:mc="http://schemas.openxmlformats.org/markup-compatibility/2006" xmlns:mv="urn:schemas-microsoft-com:mac:vml" xmlns:p="http://schemas.openxmlformats.org/presentationml/2006/main" mc:Ignorable="mv" mc:PreserveAttributes="mv:*" show="0">
+<p:sld xmlns:a="http://schemas.openxmlformats.org/drawingml/2006/main" xmlns:r="http://schemas.openxmlformats.org/officeDocument/2006/relationships" xmlns:mc="http://schemas.openxmlformats.org/markup-compatibility/2006" xmlns:mv="urn:schemas-microsoft-com:mac:vml" xmlns:p="http://schemas.openxmlformats.org/presentationml/2006/main" mc:Ignorable="mv" mc:PreserveAttributes="mv:*">
   <p:cSld>
     <p:spTree>
       <p:nvGrpSpPr>
@@ -31418,50 +31967,6 @@
           </a:p>
         </p:txBody>
       </p:sp>
-      <p:sp>
-        <p:nvSpPr>
-          <p:cNvPr id="21510" name="Rectangle 6"/>
-          <p:cNvSpPr>
-            <a:spLocks noGrp="1" noChangeArrowheads="1"/>
-          </p:cNvSpPr>
-          <p:nvPr>
-            <p:ph type="title" idx="4294967295"/>
-          </p:nvPr>
-        </p:nvSpPr>
-        <p:spPr>
-          <a:xfrm>
-            <a:off x="1600200" y="304800"/>
-            <a:ext cx="7543800" cy="1143000"/>
-          </a:xfrm>
-        </p:spPr>
-        <p:txBody>
-          <a:bodyPr/>
-          <a:lstStyle/>
-          <a:p>
-            <a:pPr eaLnBrk="1" hangingPunct="1"/>
-            <a:r>
-              <a:rPr lang="en-US" i="1">
-                <a:solidFill>
-                  <a:srgbClr val="FFFF00"/>
-                </a:solidFill>
-              </a:rPr>
-              <a:t>Combinatorial</a:t>
-            </a:r>
-            <a:r>
-              <a:rPr lang="en-US"/>
-              <a:t>  </a:t>
-            </a:r>
-            <a:r>
-              <a:rPr lang="en-US">
-                <a:solidFill>
-                  <a:schemeClr val="tx1"/>
-                </a:solidFill>
-              </a:rPr>
-              <a:t>Proof</a:t>
-            </a:r>
-          </a:p>
-        </p:txBody>
-      </p:sp>
       <p:graphicFrame>
         <p:nvGraphicFramePr>
           <p:cNvPr id="21506" name="Object 3"/>
@@ -31491,12 +31996,12 @@
           <p:nvPr/>
         </p:nvGraphicFramePr>
         <p:xfrm>
-          <a:off x="2525713" y="2222500"/>
-          <a:ext cx="4092575" cy="3568700"/>
+          <a:off x="2554288" y="2135188"/>
+          <a:ext cx="4033837" cy="3743325"/>
         </p:xfrm>
         <a:graphic>
           <a:graphicData uri="http://schemas.openxmlformats.org/presentationml/2006/ole">
-            <p:oleObj spid="_x0000_s21507" name="Equation" r:id="rId5" imgW="888614" imgH="774364" progId="Equation.DSMT4">
+            <p:oleObj spid="_x0000_s21507" name="Equation" r:id="rId5" imgW="876300" imgH="812800" progId="Equation.DSMT4">
               <p:embed/>
             </p:oleObj>
           </a:graphicData>
@@ -31551,7 +32056,7 @@
             <a:r>
               <a:rPr lang="en-US" sz="4000" dirty="0">
                 <a:solidFill>
-                  <a:srgbClr val="FFFF00"/>
+                  <a:srgbClr val="0000FF"/>
                 </a:solidFill>
                 <a:latin typeface="+mj-lt"/>
               </a:rPr>
@@ -31575,12 +32080,129 @@
             <a:r>
               <a:rPr lang="en-US" sz="4000" dirty="0">
                 <a:solidFill>
-                  <a:srgbClr val="FFFF00"/>
+                  <a:srgbClr val="0000FF"/>
                 </a:solidFill>
                 <a:latin typeface="+mj-lt"/>
               </a:rPr>
               <a:t>}</a:t>
             </a:r>
+          </a:p>
+        </p:txBody>
+      </p:sp>
+      <p:sp>
+        <p:nvSpPr>
+          <p:cNvPr id="8" name="Rectangle 6"/>
+          <p:cNvSpPr txBox="1">
+            <a:spLocks noChangeArrowheads="1"/>
+          </p:cNvSpPr>
+          <p:nvPr/>
+        </p:nvSpPr>
+        <p:spPr bwMode="auto">
+          <a:xfrm>
+            <a:off x="1600200" y="304800"/>
+            <a:ext cx="7543800" cy="1143000"/>
+          </a:xfrm>
+          <a:prstGeom prst="rect">
+            <a:avLst/>
+          </a:prstGeom>
+          <a:noFill/>
+          <a:ln w="9525">
+            <a:noFill/>
+            <a:miter lim="800000"/>
+            <a:headEnd/>
+            <a:tailEnd/>
+          </a:ln>
+        </p:spPr>
+        <p:txBody>
+          <a:bodyPr vert="horz" wrap="square" lIns="91440" tIns="45720" rIns="91440" bIns="45720" numCol="1" anchor="ctr" anchorCtr="0" compatLnSpc="1">
+            <a:prstTxWarp prst="textNoShape">
+              <a:avLst/>
+            </a:prstTxWarp>
+          </a:bodyPr>
+          <a:lstStyle/>
+          <a:p>
+            <a:pPr marL="0" marR="0" lvl="0" indent="0" algn="l" defTabSz="914400" rtl="0" eaLnBrk="1" fontAlgn="base" latinLnBrk="0" hangingPunct="1">
+              <a:lnSpc>
+                <a:spcPct val="100000"/>
+              </a:lnSpc>
+              <a:spcBef>
+                <a:spcPct val="0"/>
+              </a:spcBef>
+              <a:spcAft>
+                <a:spcPct val="0"/>
+              </a:spcAft>
+              <a:buClrTx/>
+              <a:buSzTx/>
+              <a:buFontTx/>
+              <a:buNone/>
+              <a:tabLst/>
+              <a:defRPr/>
+            </a:pPr>
+            <a:r>
+              <a:rPr kumimoji="0" lang="en-US" sz="4000" b="1" i="0" u="none" strike="noStrike" kern="1200" cap="none" spc="0" normalizeH="0" baseline="0" noProof="0" smtClean="0">
+                <a:ln>
+                  <a:noFill/>
+                </a:ln>
+                <a:solidFill>
+                  <a:srgbClr val="000000"/>
+                </a:solidFill>
+                <a:effectLst/>
+                <a:uLnTx/>
+                <a:uFillTx/>
+                <a:latin typeface="+mj-lt"/>
+                <a:ea typeface="+mj-ea"/>
+                <a:cs typeface="+mj-cs"/>
+              </a:rPr>
+              <a:t>Combinatorial</a:t>
+            </a:r>
+            <a:r>
+              <a:rPr kumimoji="0" lang="en-US" sz="4000" b="1" i="0" u="none" strike="noStrike" kern="1200" cap="none" spc="0" normalizeH="0" baseline="0" noProof="0" smtClean="0">
+                <a:ln>
+                  <a:noFill/>
+                </a:ln>
+                <a:solidFill>
+                  <a:srgbClr val="0000FF"/>
+                </a:solidFill>
+                <a:effectLst/>
+                <a:uLnTx/>
+                <a:uFillTx/>
+                <a:latin typeface="+mj-lt"/>
+                <a:ea typeface="+mj-ea"/>
+                <a:cs typeface="+mj-cs"/>
+              </a:rPr>
+              <a:t> </a:t>
+            </a:r>
+            <a:r>
+              <a:rPr kumimoji="0" lang="en-US" sz="4000" b="1" i="0" u="none" strike="noStrike" kern="1200" cap="none" spc="0" normalizeH="0" baseline="0" noProof="0" smtClean="0">
+                <a:ln>
+                  <a:noFill/>
+                </a:ln>
+                <a:solidFill>
+                  <a:schemeClr val="tx1"/>
+                </a:solidFill>
+                <a:effectLst/>
+                <a:uLnTx/>
+                <a:uFillTx/>
+                <a:latin typeface="+mj-lt"/>
+                <a:ea typeface="+mj-ea"/>
+                <a:cs typeface="+mj-cs"/>
+              </a:rPr>
+              <a:t>Proof, II</a:t>
+            </a:r>
+            <a:endParaRPr kumimoji="0" lang="en-US" sz="4000" b="1" i="0" u="none" strike="noStrike" kern="1200" cap="none" spc="0" normalizeH="0" baseline="0" noProof="0" dirty="0">
+              <a:ln>
+                <a:noFill/>
+              </a:ln>
+              <a:solidFill>
+                <a:schemeClr val="tx1"/>
+              </a:solidFill>
+              <a:effectLst/>
+              <a:uLnTx/>
+              <a:uFillTx/>
+              <a:latin typeface="+mj-lt"/>
+              <a:ea typeface="+mj-ea"/>
+              <a:cs typeface="+mj-cs"/>
+            </a:endParaRPr>
           </a:p>
         </p:txBody>
       </p:sp>
@@ -31589,7 +32211,9 @@
   <p:clrMapOvr>
     <a:masterClrMapping/>
   </p:clrMapOvr>
-  <p:transition/>
+  <p:transition spd="slow">
+    <p:fade/>
+  </p:transition>
   <p:timing>
     <p:tnLst>
       <p:par>
@@ -31611,7 +32235,7 @@
                             </p:stCondLst>
                             <p:childTnLst>
                               <p:par>
-                                <p:cTn id="5" presetID="1" presetClass="entr" presetSubtype="0" fill="hold" nodeType="clickEffect">
+                                <p:cTn id="5" presetID="9" presetClass="entr" presetSubtype="0" fill="hold" nodeType="clickEffect">
                                   <p:stCondLst>
                                     <p:cond delay="0"/>
                                   </p:stCondLst>
@@ -31634,6 +32258,14 @@
                                         <p:strVal val="visible"/>
                                       </p:to>
                                     </p:set>
+                                    <p:animEffect transition="in" filter="dissolve">
+                                      <p:cBhvr>
+                                        <p:cTn id="7" dur="500"/>
+                                        <p:tgtEl>
+                                          <p:spTgt spid="564228"/>
+                                        </p:tgtEl>
+                                      </p:cBhvr>
+                                    </p:animEffect>
                                   </p:childTnLst>
                                 </p:cTn>
                               </p:par>
@@ -31669,7 +32301,7 @@
 </file>
 
 <file path=ppt/slides/slide29.xml><?xml version="1.0" encoding="utf-8"?>
-<p:sld xmlns:a="http://schemas.openxmlformats.org/drawingml/2006/main" xmlns:r="http://schemas.openxmlformats.org/officeDocument/2006/relationships" xmlns:mc="http://schemas.openxmlformats.org/markup-compatibility/2006" xmlns:mv="urn:schemas-microsoft-com:mac:vml" xmlns:p="http://schemas.openxmlformats.org/presentationml/2006/main" mc:Ignorable="mv" mc:PreserveAttributes="mv:*" show="0">
+<p:sld xmlns:a="http://schemas.openxmlformats.org/drawingml/2006/main" xmlns:r="http://schemas.openxmlformats.org/officeDocument/2006/relationships" xmlns:mc="http://schemas.openxmlformats.org/markup-compatibility/2006" xmlns:mv="urn:schemas-microsoft-com:mac:vml" xmlns:p="http://schemas.openxmlformats.org/presentationml/2006/main" mc:Ignorable="mv" mc:PreserveAttributes="mv:*">
   <p:cSld>
     <p:spTree>
       <p:nvGrpSpPr>
@@ -31741,50 +32373,6 @@
           </a:p>
         </p:txBody>
       </p:sp>
-      <p:sp>
-        <p:nvSpPr>
-          <p:cNvPr id="22534" name="Rectangle 6"/>
-          <p:cNvSpPr>
-            <a:spLocks noGrp="1" noChangeArrowheads="1"/>
-          </p:cNvSpPr>
-          <p:nvPr>
-            <p:ph type="title" idx="4294967295"/>
-          </p:nvPr>
-        </p:nvSpPr>
-        <p:spPr>
-          <a:xfrm>
-            <a:off x="1600200" y="304800"/>
-            <a:ext cx="7543800" cy="1143000"/>
-          </a:xfrm>
-        </p:spPr>
-        <p:txBody>
-          <a:bodyPr/>
-          <a:lstStyle/>
-          <a:p>
-            <a:pPr eaLnBrk="1" hangingPunct="1"/>
-            <a:r>
-              <a:rPr lang="en-US" i="1">
-                <a:solidFill>
-                  <a:srgbClr val="FFFF00"/>
-                </a:solidFill>
-              </a:rPr>
-              <a:t>Combinatorial</a:t>
-            </a:r>
-            <a:r>
-              <a:rPr lang="en-US"/>
-              <a:t>  </a:t>
-            </a:r>
-            <a:r>
-              <a:rPr lang="en-US">
-                <a:solidFill>
-                  <a:schemeClr val="tx1"/>
-                </a:solidFill>
-              </a:rPr>
-              <a:t>Proof</a:t>
-            </a:r>
-          </a:p>
-        </p:txBody>
-      </p:sp>
       <p:graphicFrame>
         <p:nvGraphicFramePr>
           <p:cNvPr id="22530" name="Object 3"/>
@@ -31814,12 +32402,149 @@
           <p:nvPr/>
         </p:nvGraphicFramePr>
         <p:xfrm>
-          <a:off x="2249488" y="1219200"/>
-          <a:ext cx="4643437" cy="4702175"/>
+          <a:off x="2249488" y="914400"/>
+          <a:ext cx="4643437" cy="2782887"/>
         </p:xfrm>
         <a:graphic>
           <a:graphicData uri="http://schemas.openxmlformats.org/presentationml/2006/ole">
-            <p:oleObj spid="_x0000_s22531" name="Equation" r:id="rId5" imgW="952500" imgH="965200" progId="Equation.DSMT4">
+            <p:oleObj spid="_x0000_s22531" name="Equation" r:id="rId5" imgW="952500" imgH="571500" progId="Equation.DSMT4">
+              <p:embed/>
+            </p:oleObj>
+          </a:graphicData>
+        </a:graphic>
+      </p:graphicFrame>
+      <p:sp>
+        <p:nvSpPr>
+          <p:cNvPr id="7" name="Rectangle 6"/>
+          <p:cNvSpPr txBox="1">
+            <a:spLocks noChangeArrowheads="1"/>
+          </p:cNvSpPr>
+          <p:nvPr/>
+        </p:nvSpPr>
+        <p:spPr bwMode="auto">
+          <a:xfrm>
+            <a:off x="1600200" y="304800"/>
+            <a:ext cx="7543800" cy="1143000"/>
+          </a:xfrm>
+          <a:prstGeom prst="rect">
+            <a:avLst/>
+          </a:prstGeom>
+          <a:noFill/>
+          <a:ln w="9525">
+            <a:noFill/>
+            <a:miter lim="800000"/>
+            <a:headEnd/>
+            <a:tailEnd/>
+          </a:ln>
+        </p:spPr>
+        <p:txBody>
+          <a:bodyPr vert="horz" wrap="square" lIns="91440" tIns="45720" rIns="91440" bIns="45720" numCol="1" anchor="ctr" anchorCtr="0" compatLnSpc="1">
+            <a:prstTxWarp prst="textNoShape">
+              <a:avLst/>
+            </a:prstTxWarp>
+          </a:bodyPr>
+          <a:lstStyle/>
+          <a:p>
+            <a:pPr marL="0" marR="0" lvl="0" indent="0" algn="l" defTabSz="914400" rtl="0" eaLnBrk="1" fontAlgn="base" latinLnBrk="0" hangingPunct="1">
+              <a:lnSpc>
+                <a:spcPct val="100000"/>
+              </a:lnSpc>
+              <a:spcBef>
+                <a:spcPct val="0"/>
+              </a:spcBef>
+              <a:spcAft>
+                <a:spcPct val="0"/>
+              </a:spcAft>
+              <a:buClrTx/>
+              <a:buSzTx/>
+              <a:buFontTx/>
+              <a:buNone/>
+              <a:tabLst/>
+              <a:defRPr/>
+            </a:pPr>
+            <a:r>
+              <a:rPr kumimoji="0" lang="en-US" sz="4000" b="1" i="0" u="none" strike="noStrike" kern="1200" cap="none" spc="0" normalizeH="0" baseline="0" noProof="0" smtClean="0">
+                <a:ln>
+                  <a:noFill/>
+                </a:ln>
+                <a:solidFill>
+                  <a:srgbClr val="000000"/>
+                </a:solidFill>
+                <a:effectLst/>
+                <a:uLnTx/>
+                <a:uFillTx/>
+                <a:latin typeface="+mj-lt"/>
+                <a:ea typeface="+mj-ea"/>
+                <a:cs typeface="+mj-cs"/>
+              </a:rPr>
+              <a:t>Combinatorial</a:t>
+            </a:r>
+            <a:r>
+              <a:rPr kumimoji="0" lang="en-US" sz="4000" b="1" i="0" u="none" strike="noStrike" kern="1200" cap="none" spc="0" normalizeH="0" baseline="0" noProof="0" smtClean="0">
+                <a:ln>
+                  <a:noFill/>
+                </a:ln>
+                <a:solidFill>
+                  <a:srgbClr val="0000FF"/>
+                </a:solidFill>
+                <a:effectLst/>
+                <a:uLnTx/>
+                <a:uFillTx/>
+                <a:latin typeface="+mj-lt"/>
+                <a:ea typeface="+mj-ea"/>
+                <a:cs typeface="+mj-cs"/>
+              </a:rPr>
+              <a:t> </a:t>
+            </a:r>
+            <a:r>
+              <a:rPr kumimoji="0" lang="en-US" sz="4000" b="1" i="0" u="none" strike="noStrike" kern="1200" cap="none" spc="0" normalizeH="0" baseline="0" noProof="0" smtClean="0">
+                <a:ln>
+                  <a:noFill/>
+                </a:ln>
+                <a:solidFill>
+                  <a:schemeClr val="tx1"/>
+                </a:solidFill>
+                <a:effectLst/>
+                <a:uLnTx/>
+                <a:uFillTx/>
+                <a:latin typeface="+mj-lt"/>
+                <a:ea typeface="+mj-ea"/>
+                <a:cs typeface="+mj-cs"/>
+              </a:rPr>
+              <a:t>Proof, II</a:t>
+            </a:r>
+            <a:endParaRPr kumimoji="0" lang="en-US" sz="4000" b="1" i="0" u="none" strike="noStrike" kern="1200" cap="none" spc="0" normalizeH="0" baseline="0" noProof="0" dirty="0">
+              <a:ln>
+                <a:noFill/>
+              </a:ln>
+              <a:solidFill>
+                <a:schemeClr val="tx1"/>
+              </a:solidFill>
+              <a:effectLst/>
+              <a:uLnTx/>
+              <a:uFillTx/>
+              <a:latin typeface="+mj-lt"/>
+              <a:ea typeface="+mj-ea"/>
+              <a:cs typeface="+mj-cs"/>
+            </a:endParaRPr>
+          </a:p>
+        </p:txBody>
+      </p:sp>
+      <p:graphicFrame>
+        <p:nvGraphicFramePr>
+          <p:cNvPr id="8" name="Object 7"/>
+          <p:cNvGraphicFramePr>
+            <a:graphicFrameLocks noChangeAspect="1"/>
+          </p:cNvGraphicFramePr>
+          <p:nvPr/>
+        </p:nvGraphicFramePr>
+        <p:xfrm>
+          <a:off x="2057400" y="3581400"/>
+          <a:ext cx="5168900" cy="2819400"/>
+        </p:xfrm>
+        <a:graphic>
+          <a:graphicData uri="http://schemas.openxmlformats.org/presentationml/2006/ole">
+            <p:oleObj spid="_x0000_s22534" name="Equation" r:id="rId6" imgW="977900" imgH="533400" progId="Equation.DSMT4">
               <p:embed/>
             </p:oleObj>
           </a:graphicData>
@@ -31830,11 +32555,89 @@
   <p:clrMapOvr>
     <a:masterClrMapping/>
   </p:clrMapOvr>
-  <p:transition/>
+  <p:transition spd="slow">
+    <p:fade/>
+  </p:transition>
   <p:timing>
     <p:tnLst>
       <p:par>
-        <p:cTn id="1" dur="indefinite" restart="never" nodeType="tmRoot"/>
+        <p:cTn id="1" dur="indefinite" restart="never" nodeType="tmRoot">
+          <p:childTnLst>
+            <p:seq concurrent="1" nextAc="seek">
+              <p:cTn id="2" dur="indefinite" nodeType="mainSeq">
+                <p:childTnLst>
+                  <p:par>
+                    <p:cTn id="3" fill="hold">
+                      <p:stCondLst>
+                        <p:cond delay="indefinite"/>
+                      </p:stCondLst>
+                      <p:childTnLst>
+                        <p:par>
+                          <p:cTn id="4" fill="hold">
+                            <p:stCondLst>
+                              <p:cond delay="0"/>
+                            </p:stCondLst>
+                            <p:childTnLst>
+                              <p:par>
+                                <p:cTn id="5" presetID="22" presetClass="entr" presetSubtype="8" fill="hold" nodeType="clickEffect">
+                                  <p:stCondLst>
+                                    <p:cond delay="0"/>
+                                  </p:stCondLst>
+                                  <p:childTnLst>
+                                    <p:set>
+                                      <p:cBhvr>
+                                        <p:cTn id="6" dur="1" fill="hold">
+                                          <p:stCondLst>
+                                            <p:cond delay="0"/>
+                                          </p:stCondLst>
+                                        </p:cTn>
+                                        <p:tgtEl>
+                                          <p:spTgt spid="8"/>
+                                        </p:tgtEl>
+                                        <p:attrNameLst>
+                                          <p:attrName>style.visibility</p:attrName>
+                                        </p:attrNameLst>
+                                      </p:cBhvr>
+                                      <p:to>
+                                        <p:strVal val="visible"/>
+                                      </p:to>
+                                    </p:set>
+                                    <p:animEffect transition="in" filter="wipe(left)">
+                                      <p:cBhvr>
+                                        <p:cTn id="7" dur="500"/>
+                                        <p:tgtEl>
+                                          <p:spTgt spid="8"/>
+                                        </p:tgtEl>
+                                      </p:cBhvr>
+                                    </p:animEffect>
+                                  </p:childTnLst>
+                                </p:cTn>
+                              </p:par>
+                            </p:childTnLst>
+                          </p:cTn>
+                        </p:par>
+                      </p:childTnLst>
+                    </p:cTn>
+                  </p:par>
+                </p:childTnLst>
+              </p:cTn>
+              <p:prevCondLst>
+                <p:cond evt="onPrev" delay="0">
+                  <p:tgtEl>
+                    <p:sldTgt/>
+                  </p:tgtEl>
+                </p:cond>
+              </p:prevCondLst>
+              <p:nextCondLst>
+                <p:cond evt="onNext" delay="0">
+                  <p:tgtEl>
+                    <p:sldTgt/>
+                  </p:tgtEl>
+                </p:cond>
+              </p:nextCondLst>
+            </p:seq>
+          </p:childTnLst>
+        </p:cTn>
       </p:par>
     </p:tnLst>
   </p:timing>
@@ -32007,6 +32810,9 @@
                     <p:cTn id="3" fill="hold">
                       <p:stCondLst>
                         <p:cond delay="indefinite"/>
+                        <p:cond evt="onBegin" delay="0">
+                          <p:tn val="2"/>
+                        </p:cond>
                       </p:stCondLst>
                       <p:childTnLst>
                         <p:par>
@@ -32016,7 +32822,7 @@
                             </p:stCondLst>
                             <p:childTnLst>
                               <p:par>
-                                <p:cTn id="5" presetID="1" presetClass="entr" presetSubtype="0" fill="hold" grpId="0" nodeType="clickEffect">
+                                <p:cTn id="5" presetID="9" presetClass="entr" presetSubtype="0" fill="hold" grpId="0" nodeType="afterEffect">
                                   <p:stCondLst>
                                     <p:cond delay="0"/>
                                   </p:stCondLst>
@@ -32039,6 +32845,14 @@
                                         <p:strVal val="visible"/>
                                       </p:to>
                                     </p:set>
+                                    <p:animEffect transition="in" filter="dissolve">
+                                      <p:cBhvr>
+                                        <p:cTn id="7" dur="1000"/>
+                                        <p:tgtEl>
+                                          <p:spTgt spid="524290"/>
+                                        </p:tgtEl>
+                                      </p:cBhvr>
+                                    </p:animEffect>
                                   </p:childTnLst>
                                 </p:cTn>
                               </p:par>
@@ -32077,7 +32891,7 @@
 </file>
 
 <file path=ppt/slides/slide30.xml><?xml version="1.0" encoding="utf-8"?>
-<p:sld xmlns:a="http://schemas.openxmlformats.org/drawingml/2006/main" xmlns:r="http://schemas.openxmlformats.org/officeDocument/2006/relationships" xmlns:mc="http://schemas.openxmlformats.org/markup-compatibility/2006" xmlns:mv="urn:schemas-microsoft-com:mac:vml" xmlns:p="http://schemas.openxmlformats.org/presentationml/2006/main" mc:Ignorable="mv" mc:PreserveAttributes="mv:*" show="0">
+<p:sld xmlns:a="http://schemas.openxmlformats.org/drawingml/2006/main" xmlns:r="http://schemas.openxmlformats.org/officeDocument/2006/relationships" xmlns:mc="http://schemas.openxmlformats.org/markup-compatibility/2006" xmlns:mv="urn:schemas-microsoft-com:mac:vml" xmlns:p="http://schemas.openxmlformats.org/presentationml/2006/main" mc:Ignorable="mv" mc:PreserveAttributes="mv:*">
   <p:cSld>
     <p:spTree>
       <p:nvGrpSpPr>
@@ -32149,50 +32963,6 @@
           </a:p>
         </p:txBody>
       </p:sp>
-      <p:sp>
-        <p:nvSpPr>
-          <p:cNvPr id="23558" name="Rectangle 6"/>
-          <p:cNvSpPr>
-            <a:spLocks noGrp="1" noChangeArrowheads="1"/>
-          </p:cNvSpPr>
-          <p:nvPr>
-            <p:ph type="title" idx="4294967295"/>
-          </p:nvPr>
-        </p:nvSpPr>
-        <p:spPr>
-          <a:xfrm>
-            <a:off x="1600200" y="304800"/>
-            <a:ext cx="7543800" cy="1143000"/>
-          </a:xfrm>
-        </p:spPr>
-        <p:txBody>
-          <a:bodyPr/>
-          <a:lstStyle/>
-          <a:p>
-            <a:pPr eaLnBrk="1" hangingPunct="1"/>
-            <a:r>
-              <a:rPr lang="en-US" i="1">
-                <a:solidFill>
-                  <a:srgbClr val="FFFF00"/>
-                </a:solidFill>
-              </a:rPr>
-              <a:t>Combinatorial</a:t>
-            </a:r>
-            <a:r>
-              <a:rPr lang="en-US"/>
-              <a:t>  </a:t>
-            </a:r>
-            <a:r>
-              <a:rPr lang="en-US">
-                <a:solidFill>
-                  <a:schemeClr val="tx1"/>
-                </a:solidFill>
-              </a:rPr>
-              <a:t>Proof</a:t>
-            </a:r>
-          </a:p>
-        </p:txBody>
-      </p:sp>
       <p:graphicFrame>
         <p:nvGraphicFramePr>
           <p:cNvPr id="23554" name="Object 3"/>
@@ -32213,21 +32983,138 @@
           </a:graphicData>
         </a:graphic>
       </p:graphicFrame>
+      <p:sp>
+        <p:nvSpPr>
+          <p:cNvPr id="7" name="Rectangle 6"/>
+          <p:cNvSpPr txBox="1">
+            <a:spLocks noChangeArrowheads="1"/>
+          </p:cNvSpPr>
+          <p:nvPr/>
+        </p:nvSpPr>
+        <p:spPr bwMode="auto">
+          <a:xfrm>
+            <a:off x="1600200" y="304800"/>
+            <a:ext cx="7543800" cy="1143000"/>
+          </a:xfrm>
+          <a:prstGeom prst="rect">
+            <a:avLst/>
+          </a:prstGeom>
+          <a:noFill/>
+          <a:ln w="9525">
+            <a:noFill/>
+            <a:miter lim="800000"/>
+            <a:headEnd/>
+            <a:tailEnd/>
+          </a:ln>
+        </p:spPr>
+        <p:txBody>
+          <a:bodyPr vert="horz" wrap="square" lIns="91440" tIns="45720" rIns="91440" bIns="45720" numCol="1" anchor="ctr" anchorCtr="0" compatLnSpc="1">
+            <a:prstTxWarp prst="textNoShape">
+              <a:avLst/>
+            </a:prstTxWarp>
+          </a:bodyPr>
+          <a:lstStyle/>
+          <a:p>
+            <a:pPr marL="0" marR="0" lvl="0" indent="0" algn="l" defTabSz="914400" rtl="0" eaLnBrk="1" fontAlgn="base" latinLnBrk="0" hangingPunct="1">
+              <a:lnSpc>
+                <a:spcPct val="100000"/>
+              </a:lnSpc>
+              <a:spcBef>
+                <a:spcPct val="0"/>
+              </a:spcBef>
+              <a:spcAft>
+                <a:spcPct val="0"/>
+              </a:spcAft>
+              <a:buClrTx/>
+              <a:buSzTx/>
+              <a:buFontTx/>
+              <a:buNone/>
+              <a:tabLst/>
+              <a:defRPr/>
+            </a:pPr>
+            <a:r>
+              <a:rPr kumimoji="0" lang="en-US" sz="4000" b="1" i="0" u="none" strike="noStrike" kern="1200" cap="none" spc="0" normalizeH="0" baseline="0" noProof="0" smtClean="0">
+                <a:ln>
+                  <a:noFill/>
+                </a:ln>
+                <a:solidFill>
+                  <a:srgbClr val="000000"/>
+                </a:solidFill>
+                <a:effectLst/>
+                <a:uLnTx/>
+                <a:uFillTx/>
+                <a:latin typeface="+mj-lt"/>
+                <a:ea typeface="+mj-ea"/>
+                <a:cs typeface="+mj-cs"/>
+              </a:rPr>
+              <a:t>Combinatorial</a:t>
+            </a:r>
+            <a:r>
+              <a:rPr kumimoji="0" lang="en-US" sz="4000" b="1" i="0" u="none" strike="noStrike" kern="1200" cap="none" spc="0" normalizeH="0" baseline="0" noProof="0" smtClean="0">
+                <a:ln>
+                  <a:noFill/>
+                </a:ln>
+                <a:solidFill>
+                  <a:srgbClr val="0000FF"/>
+                </a:solidFill>
+                <a:effectLst/>
+                <a:uLnTx/>
+                <a:uFillTx/>
+                <a:latin typeface="+mj-lt"/>
+                <a:ea typeface="+mj-ea"/>
+                <a:cs typeface="+mj-cs"/>
+              </a:rPr>
+              <a:t> </a:t>
+            </a:r>
+            <a:r>
+              <a:rPr kumimoji="0" lang="en-US" sz="4000" b="1" i="0" u="none" strike="noStrike" kern="1200" cap="none" spc="0" normalizeH="0" baseline="0" noProof="0" smtClean="0">
+                <a:ln>
+                  <a:noFill/>
+                </a:ln>
+                <a:solidFill>
+                  <a:schemeClr val="tx1"/>
+                </a:solidFill>
+                <a:effectLst/>
+                <a:uLnTx/>
+                <a:uFillTx/>
+                <a:latin typeface="+mj-lt"/>
+                <a:ea typeface="+mj-ea"/>
+                <a:cs typeface="+mj-cs"/>
+              </a:rPr>
+              <a:t>Proof, II</a:t>
+            </a:r>
+            <a:endParaRPr kumimoji="0" lang="en-US" sz="4000" b="1" i="0" u="none" strike="noStrike" kern="1200" cap="none" spc="0" normalizeH="0" baseline="0" noProof="0" dirty="0">
+              <a:ln>
+                <a:noFill/>
+              </a:ln>
+              <a:solidFill>
+                <a:schemeClr val="tx1"/>
+              </a:solidFill>
+              <a:effectLst/>
+              <a:uLnTx/>
+              <a:uFillTx/>
+              <a:latin typeface="+mj-lt"/>
+              <a:ea typeface="+mj-ea"/>
+              <a:cs typeface="+mj-cs"/>
+            </a:endParaRPr>
+          </a:p>
+        </p:txBody>
+      </p:sp>
       <p:graphicFrame>
         <p:nvGraphicFramePr>
-          <p:cNvPr id="23555" name="Object 4"/>
+          <p:cNvPr id="2" name="Object 4"/>
           <p:cNvGraphicFramePr>
             <a:graphicFrameLocks noChangeAspect="1"/>
           </p:cNvGraphicFramePr>
           <p:nvPr/>
         </p:nvGraphicFramePr>
         <p:xfrm>
-          <a:off x="1879600" y="1395413"/>
-          <a:ext cx="5384800" cy="4700587"/>
+          <a:off x="1752600" y="1371600"/>
+          <a:ext cx="5508625" cy="4267200"/>
         </p:xfrm>
         <a:graphic>
           <a:graphicData uri="http://schemas.openxmlformats.org/presentationml/2006/ole">
-            <p:oleObj spid="_x0000_s23555" name="Equation" r:id="rId5" imgW="1104900" imgH="965200" progId="Equation.DSMT4">
+            <p:oleObj spid="_x0000_s23558" name="Equation" r:id="rId5" imgW="1130300" imgH="876300" progId="Equation.DSMT4">
               <p:embed/>
             </p:oleObj>
           </a:graphicData>
@@ -32238,7 +33125,9 @@
   <p:clrMapOvr>
     <a:masterClrMapping/>
   </p:clrMapOvr>
-  <p:transition/>
+  <p:transition>
+    <p:fade/>
+  </p:transition>
   <p:timing>
     <p:tnLst>
       <p:par>
@@ -32250,7 +33139,255 @@
 </file>
 
 <file path=ppt/slides/slide31.xml><?xml version="1.0" encoding="utf-8"?>
-<p:sld xmlns:a="http://schemas.openxmlformats.org/drawingml/2006/main" xmlns:r="http://schemas.openxmlformats.org/officeDocument/2006/relationships" xmlns:mc="http://schemas.openxmlformats.org/markup-compatibility/2006" xmlns:mv="urn:schemas-microsoft-com:mac:vml" xmlns:p="http://schemas.openxmlformats.org/presentationml/2006/main" mc:Ignorable="mv" mc:PreserveAttributes="mv:*" show="0">
+<p:sld xmlns:a="http://schemas.openxmlformats.org/drawingml/2006/main" xmlns:r="http://schemas.openxmlformats.org/officeDocument/2006/relationships" xmlns:mc="http://schemas.openxmlformats.org/markup-compatibility/2006" xmlns:mv="urn:schemas-microsoft-com:mac:vml" xmlns:p="http://schemas.openxmlformats.org/presentationml/2006/main" mc:Ignorable="mv" mc:PreserveAttributes="mv:*">
+  <p:cSld>
+    <p:spTree>
+      <p:nvGrpSpPr>
+        <p:cNvPr id="1" name=""/>
+        <p:cNvGrpSpPr/>
+        <p:nvPr/>
+      </p:nvGrpSpPr>
+      <p:grpSpPr>
+        <a:xfrm>
+          <a:off x="0" y="0"/>
+          <a:ext cx="0" cy="0"/>
+          <a:chOff x="0" y="0"/>
+          <a:chExt cx="0" cy="0"/>
+        </a:xfrm>
+      </p:grpSpPr>
+      <p:sp>
+        <p:nvSpPr>
+          <p:cNvPr id="23557" name="Text Box 5"/>
+          <p:cNvSpPr txBox="1">
+            <a:spLocks noGrp="1"/>
+          </p:cNvSpPr>
+          <p:nvPr/>
+        </p:nvSpPr>
+        <p:spPr bwMode="auto">
+          <a:xfrm>
+            <a:off x="6400800" y="6613525"/>
+            <a:ext cx="2667000" cy="244475"/>
+          </a:xfrm>
+          <a:prstGeom prst="rect">
+            <a:avLst/>
+          </a:prstGeom>
+          <a:noFill/>
+          <a:ln w="9525">
+            <a:noFill/>
+            <a:miter lim="800000"/>
+            <a:headEnd/>
+            <a:tailEnd/>
+          </a:ln>
+        </p:spPr>
+        <p:txBody>
+          <a:bodyPr>
+            <a:spAutoFit/>
+          </a:bodyPr>
+          <a:lstStyle/>
+          <a:p>
+            <a:pPr algn="r" fontAlgn="base">
+              <a:spcBef>
+                <a:spcPct val="0"/>
+              </a:spcBef>
+              <a:spcAft>
+                <a:spcPct val="0"/>
+              </a:spcAft>
+            </a:pPr>
+            <a:r>
+              <a:rPr lang="en-US" sz="1000" dirty="0" err="1" smtClean="0">
+                <a:latin typeface="Comic Sans MS" pitchFamily="66" charset="0"/>
+              </a:rPr>
+              <a:t>lec</a:t>
+            </a:r>
+            <a:r>
+              <a:rPr lang="en-US" sz="1000" dirty="0" smtClean="0">
+                <a:latin typeface="Comic Sans MS" pitchFamily="66" charset="0"/>
+              </a:rPr>
+              <a:t> 11W.30</a:t>
+            </a:r>
+            <a:endParaRPr lang="en-US" sz="1000" dirty="0">
+              <a:latin typeface="Comic Sans MS" pitchFamily="66" charset="0"/>
+            </a:endParaRPr>
+          </a:p>
+        </p:txBody>
+      </p:sp>
+      <p:graphicFrame>
+        <p:nvGraphicFramePr>
+          <p:cNvPr id="23554" name="Object 3"/>
+          <p:cNvGraphicFramePr>
+            <a:graphicFrameLocks noChangeAspect="1"/>
+          </p:cNvGraphicFramePr>
+          <p:nvPr/>
+        </p:nvGraphicFramePr>
+        <p:xfrm>
+          <a:off x="2336800" y="1981200"/>
+          <a:ext cx="914400" cy="198438"/>
+        </p:xfrm>
+        <a:graphic>
+          <a:graphicData uri="http://schemas.openxmlformats.org/presentationml/2006/ole">
+            <p:oleObj spid="_x0000_s164866" name="Equation" r:id="rId4" imgW="435285" imgH="677109" progId="Equation.DSMT4">
+              <p:embed/>
+            </p:oleObj>
+          </a:graphicData>
+        </a:graphic>
+      </p:graphicFrame>
+      <p:graphicFrame>
+        <p:nvGraphicFramePr>
+          <p:cNvPr id="23555" name="Object 4"/>
+          <p:cNvGraphicFramePr>
+            <a:graphicFrameLocks noChangeAspect="1"/>
+          </p:cNvGraphicFramePr>
+          <p:nvPr/>
+        </p:nvGraphicFramePr>
+        <p:xfrm>
+          <a:off x="1700213" y="1333500"/>
+          <a:ext cx="5694362" cy="4824413"/>
+        </p:xfrm>
+        <a:graphic>
+          <a:graphicData uri="http://schemas.openxmlformats.org/presentationml/2006/ole">
+            <p:oleObj spid="_x0000_s164867" name="Equation" r:id="rId5" imgW="1168400" imgH="990600" progId="Equation.DSMT4">
+              <p:embed/>
+            </p:oleObj>
+          </a:graphicData>
+        </a:graphic>
+      </p:graphicFrame>
+      <p:sp>
+        <p:nvSpPr>
+          <p:cNvPr id="7" name="Rectangle 6"/>
+          <p:cNvSpPr txBox="1">
+            <a:spLocks noChangeArrowheads="1"/>
+          </p:cNvSpPr>
+          <p:nvPr/>
+        </p:nvSpPr>
+        <p:spPr bwMode="auto">
+          <a:xfrm>
+            <a:off x="1600200" y="304800"/>
+            <a:ext cx="7543800" cy="1143000"/>
+          </a:xfrm>
+          <a:prstGeom prst="rect">
+            <a:avLst/>
+          </a:prstGeom>
+          <a:noFill/>
+          <a:ln w="9525">
+            <a:noFill/>
+            <a:miter lim="800000"/>
+            <a:headEnd/>
+            <a:tailEnd/>
+          </a:ln>
+        </p:spPr>
+        <p:txBody>
+          <a:bodyPr vert="horz" wrap="square" lIns="91440" tIns="45720" rIns="91440" bIns="45720" numCol="1" anchor="ctr" anchorCtr="0" compatLnSpc="1">
+            <a:prstTxWarp prst="textNoShape">
+              <a:avLst/>
+            </a:prstTxWarp>
+          </a:bodyPr>
+          <a:lstStyle/>
+          <a:p>
+            <a:pPr marL="0" marR="0" lvl="0" indent="0" algn="l" defTabSz="914400" rtl="0" eaLnBrk="1" fontAlgn="base" latinLnBrk="0" hangingPunct="1">
+              <a:lnSpc>
+                <a:spcPct val="100000"/>
+              </a:lnSpc>
+              <a:spcBef>
+                <a:spcPct val="0"/>
+              </a:spcBef>
+              <a:spcAft>
+                <a:spcPct val="0"/>
+              </a:spcAft>
+              <a:buClrTx/>
+              <a:buSzTx/>
+              <a:buFontTx/>
+              <a:buNone/>
+              <a:tabLst/>
+              <a:defRPr/>
+            </a:pPr>
+            <a:r>
+              <a:rPr kumimoji="0" lang="en-US" sz="4000" b="1" i="0" u="none" strike="noStrike" kern="1200" cap="none" spc="0" normalizeH="0" baseline="0" noProof="0" smtClean="0">
+                <a:ln>
+                  <a:noFill/>
+                </a:ln>
+                <a:solidFill>
+                  <a:srgbClr val="000000"/>
+                </a:solidFill>
+                <a:effectLst/>
+                <a:uLnTx/>
+                <a:uFillTx/>
+                <a:latin typeface="+mj-lt"/>
+                <a:ea typeface="+mj-ea"/>
+                <a:cs typeface="+mj-cs"/>
+              </a:rPr>
+              <a:t>Combinatorial</a:t>
+            </a:r>
+            <a:r>
+              <a:rPr kumimoji="0" lang="en-US" sz="4000" b="1" i="0" u="none" strike="noStrike" kern="1200" cap="none" spc="0" normalizeH="0" baseline="0" noProof="0" smtClean="0">
+                <a:ln>
+                  <a:noFill/>
+                </a:ln>
+                <a:solidFill>
+                  <a:srgbClr val="0000FF"/>
+                </a:solidFill>
+                <a:effectLst/>
+                <a:uLnTx/>
+                <a:uFillTx/>
+                <a:latin typeface="+mj-lt"/>
+                <a:ea typeface="+mj-ea"/>
+                <a:cs typeface="+mj-cs"/>
+              </a:rPr>
+              <a:t> </a:t>
+            </a:r>
+            <a:r>
+              <a:rPr kumimoji="0" lang="en-US" sz="4000" b="1" i="0" u="none" strike="noStrike" kern="1200" cap="none" spc="0" normalizeH="0" baseline="0" noProof="0" smtClean="0">
+                <a:ln>
+                  <a:noFill/>
+                </a:ln>
+                <a:solidFill>
+                  <a:schemeClr val="tx1"/>
+                </a:solidFill>
+                <a:effectLst/>
+                <a:uLnTx/>
+                <a:uFillTx/>
+                <a:latin typeface="+mj-lt"/>
+                <a:ea typeface="+mj-ea"/>
+                <a:cs typeface="+mj-cs"/>
+              </a:rPr>
+              <a:t>Proof, II</a:t>
+            </a:r>
+            <a:endParaRPr kumimoji="0" lang="en-US" sz="4000" b="1" i="0" u="none" strike="noStrike" kern="1200" cap="none" spc="0" normalizeH="0" baseline="0" noProof="0" dirty="0">
+              <a:ln>
+                <a:noFill/>
+              </a:ln>
+              <a:solidFill>
+                <a:schemeClr val="tx1"/>
+              </a:solidFill>
+              <a:effectLst/>
+              <a:uLnTx/>
+              <a:uFillTx/>
+              <a:latin typeface="+mj-lt"/>
+              <a:ea typeface="+mj-ea"/>
+              <a:cs typeface="+mj-cs"/>
+            </a:endParaRPr>
+          </a:p>
+        </p:txBody>
+      </p:sp>
+    </p:spTree>
+  </p:cSld>
+  <p:clrMapOvr>
+    <a:masterClrMapping/>
+  </p:clrMapOvr>
+  <p:transition>
+    <p:fade/>
+  </p:transition>
+  <p:timing>
+    <p:tnLst>
+      <p:par>
+        <p:cTn id="1" dur="indefinite" restart="never" nodeType="tmRoot"/>
+      </p:par>
+    </p:tnLst>
+  </p:timing>
+</p:sld>
+</file>
+
+<file path=ppt/slides/slide32.xml><?xml version="1.0" encoding="utf-8"?>
+<p:sld xmlns:a="http://schemas.openxmlformats.org/drawingml/2006/main" xmlns:r="http://schemas.openxmlformats.org/officeDocument/2006/relationships" xmlns:mc="http://schemas.openxmlformats.org/markup-compatibility/2006" xmlns:mv="urn:schemas-microsoft-com:mac:vml" xmlns:p="http://schemas.openxmlformats.org/presentationml/2006/main" mc:Ignorable="mv" mc:PreserveAttributes="mv:*">
   <p:cSld>
     <p:spTree>
       <p:nvGrpSpPr>
@@ -32322,50 +33459,6 @@
           </a:p>
         </p:txBody>
       </p:sp>
-      <p:sp>
-        <p:nvSpPr>
-          <p:cNvPr id="24582" name="Rectangle 6"/>
-          <p:cNvSpPr>
-            <a:spLocks noGrp="1" noChangeArrowheads="1"/>
-          </p:cNvSpPr>
-          <p:nvPr>
-            <p:ph type="title" idx="4294967295"/>
-          </p:nvPr>
-        </p:nvSpPr>
-        <p:spPr>
-          <a:xfrm>
-            <a:off x="1600200" y="304800"/>
-            <a:ext cx="7543800" cy="1143000"/>
-          </a:xfrm>
-        </p:spPr>
-        <p:txBody>
-          <a:bodyPr/>
-          <a:lstStyle/>
-          <a:p>
-            <a:pPr eaLnBrk="1" hangingPunct="1"/>
-            <a:r>
-              <a:rPr lang="en-US" i="1">
-                <a:solidFill>
-                  <a:srgbClr val="FFFF00"/>
-                </a:solidFill>
-              </a:rPr>
-              <a:t>Combinatorial</a:t>
-            </a:r>
-            <a:r>
-              <a:rPr lang="en-US"/>
-              <a:t>  </a:t>
-            </a:r>
-            <a:r>
-              <a:rPr lang="en-US">
-                <a:solidFill>
-                  <a:schemeClr val="tx1"/>
-                </a:solidFill>
-              </a:rPr>
-              <a:t>Proof</a:t>
-            </a:r>
-          </a:p>
-        </p:txBody>
-      </p:sp>
       <p:graphicFrame>
         <p:nvGraphicFramePr>
           <p:cNvPr id="24578" name="Object 3"/>
@@ -32395,23 +33488,142 @@
           <p:nvPr/>
         </p:nvGraphicFramePr>
         <p:xfrm>
-          <a:off x="1446213" y="1409700"/>
-          <a:ext cx="6249987" cy="4700588"/>
+          <a:off x="1476375" y="1317625"/>
+          <a:ext cx="6188075" cy="4886325"/>
         </p:xfrm>
         <a:graphic>
           <a:graphicData uri="http://schemas.openxmlformats.org/presentationml/2006/ole">
-            <p:oleObj spid="_x0000_s24579" name="Equation" r:id="rId5" imgW="1282700" imgH="965200" progId="Equation.DSMT4">
+            <p:oleObj spid="_x0000_s24579" name="Equation" r:id="rId5" imgW="1270000" imgH="1003300" progId="Equation.DSMT4">
               <p:embed/>
             </p:oleObj>
           </a:graphicData>
         </a:graphic>
       </p:graphicFrame>
+      <p:sp>
+        <p:nvSpPr>
+          <p:cNvPr id="7" name="Rectangle 6"/>
+          <p:cNvSpPr txBox="1">
+            <a:spLocks noChangeArrowheads="1"/>
+          </p:cNvSpPr>
+          <p:nvPr/>
+        </p:nvSpPr>
+        <p:spPr bwMode="auto">
+          <a:xfrm>
+            <a:off x="1600200" y="304800"/>
+            <a:ext cx="7543800" cy="1143000"/>
+          </a:xfrm>
+          <a:prstGeom prst="rect">
+            <a:avLst/>
+          </a:prstGeom>
+          <a:noFill/>
+          <a:ln w="9525">
+            <a:noFill/>
+            <a:miter lim="800000"/>
+            <a:headEnd/>
+            <a:tailEnd/>
+          </a:ln>
+        </p:spPr>
+        <p:txBody>
+          <a:bodyPr vert="horz" wrap="square" lIns="91440" tIns="45720" rIns="91440" bIns="45720" numCol="1" anchor="ctr" anchorCtr="0" compatLnSpc="1">
+            <a:prstTxWarp prst="textNoShape">
+              <a:avLst/>
+            </a:prstTxWarp>
+          </a:bodyPr>
+          <a:lstStyle/>
+          <a:p>
+            <a:pPr marL="0" marR="0" lvl="0" indent="0" algn="l" defTabSz="914400" rtl="0" eaLnBrk="1" fontAlgn="base" latinLnBrk="0" hangingPunct="1">
+              <a:lnSpc>
+                <a:spcPct val="100000"/>
+              </a:lnSpc>
+              <a:spcBef>
+                <a:spcPct val="0"/>
+              </a:spcBef>
+              <a:spcAft>
+                <a:spcPct val="0"/>
+              </a:spcAft>
+              <a:buClrTx/>
+              <a:buSzTx/>
+              <a:buFontTx/>
+              <a:buNone/>
+              <a:tabLst/>
+              <a:defRPr/>
+            </a:pPr>
+            <a:r>
+              <a:rPr kumimoji="0" lang="en-US" sz="4000" b="1" i="0" u="none" strike="noStrike" kern="1200" cap="none" spc="0" normalizeH="0" baseline="0" noProof="0" smtClean="0">
+                <a:ln>
+                  <a:noFill/>
+                </a:ln>
+                <a:solidFill>
+                  <a:srgbClr val="000000"/>
+                </a:solidFill>
+                <a:effectLst/>
+                <a:uLnTx/>
+                <a:uFillTx/>
+                <a:latin typeface="+mj-lt"/>
+                <a:ea typeface="+mj-ea"/>
+                <a:cs typeface="+mj-cs"/>
+              </a:rPr>
+              <a:t>Combinatorial</a:t>
+            </a:r>
+            <a:r>
+              <a:rPr kumimoji="0" lang="en-US" sz="4000" b="1" i="0" u="none" strike="noStrike" kern="1200" cap="none" spc="0" normalizeH="0" baseline="0" noProof="0" smtClean="0">
+                <a:ln>
+                  <a:noFill/>
+                </a:ln>
+                <a:solidFill>
+                  <a:srgbClr val="0000FF"/>
+                </a:solidFill>
+                <a:effectLst/>
+                <a:uLnTx/>
+                <a:uFillTx/>
+                <a:latin typeface="+mj-lt"/>
+                <a:ea typeface="+mj-ea"/>
+                <a:cs typeface="+mj-cs"/>
+              </a:rPr>
+              <a:t> </a:t>
+            </a:r>
+            <a:r>
+              <a:rPr kumimoji="0" lang="en-US" sz="4000" b="1" i="0" u="none" strike="noStrike" kern="1200" cap="none" spc="0" normalizeH="0" baseline="0" noProof="0" smtClean="0">
+                <a:ln>
+                  <a:noFill/>
+                </a:ln>
+                <a:solidFill>
+                  <a:schemeClr val="tx1"/>
+                </a:solidFill>
+                <a:effectLst/>
+                <a:uLnTx/>
+                <a:uFillTx/>
+                <a:latin typeface="+mj-lt"/>
+                <a:ea typeface="+mj-ea"/>
+                <a:cs typeface="+mj-cs"/>
+              </a:rPr>
+              <a:t>Proof, II</a:t>
+            </a:r>
+            <a:endParaRPr kumimoji="0" lang="en-US" sz="4000" b="1" i="0" u="none" strike="noStrike" kern="1200" cap="none" spc="0" normalizeH="0" baseline="0" noProof="0" dirty="0">
+              <a:ln>
+                <a:noFill/>
+              </a:ln>
+              <a:solidFill>
+                <a:schemeClr val="tx1"/>
+              </a:solidFill>
+              <a:effectLst/>
+              <a:uLnTx/>
+              <a:uFillTx/>
+              <a:latin typeface="+mj-lt"/>
+              <a:ea typeface="+mj-ea"/>
+              <a:cs typeface="+mj-cs"/>
+            </a:endParaRPr>
+          </a:p>
+        </p:txBody>
+      </p:sp>
     </p:spTree>
   </p:cSld>
   <p:clrMapOvr>
     <a:masterClrMapping/>
   </p:clrMapOvr>
-  <p:transition/>
+  <p:transition spd="med">
+    <p:fade/>
+  </p:transition>
   <p:timing>
     <p:tnLst>
       <p:par>
@@ -32422,8 +33634,8 @@
 </p:sld>
 </file>
 
-<file path=ppt/slides/slide32.xml><?xml version="1.0" encoding="utf-8"?>
-<p:sld xmlns:a="http://schemas.openxmlformats.org/drawingml/2006/main" xmlns:r="http://schemas.openxmlformats.org/officeDocument/2006/relationships" xmlns:mc="http://schemas.openxmlformats.org/markup-compatibility/2006" xmlns:mv="urn:schemas-microsoft-com:mac:vml" xmlns:p="http://schemas.openxmlformats.org/presentationml/2006/main" mc:Ignorable="mv" mc:PreserveAttributes="mv:*" show="0">
+<file path=ppt/slides/slide33.xml><?xml version="1.0" encoding="utf-8"?>
+<p:sld xmlns:a="http://schemas.openxmlformats.org/drawingml/2006/main" xmlns:r="http://schemas.openxmlformats.org/officeDocument/2006/relationships" xmlns:mc="http://schemas.openxmlformats.org/markup-compatibility/2006" xmlns:mv="urn:schemas-microsoft-com:mac:vml" xmlns:p="http://schemas.openxmlformats.org/presentationml/2006/main" mc:Ignorable="mv" mc:PreserveAttributes="mv:*">
   <p:cSld>
     <p:spTree>
       <p:nvGrpSpPr>
@@ -32495,50 +33707,6 @@
           </a:p>
         </p:txBody>
       </p:sp>
-      <p:sp>
-        <p:nvSpPr>
-          <p:cNvPr id="25606" name="Rectangle 6"/>
-          <p:cNvSpPr>
-            <a:spLocks noGrp="1" noChangeArrowheads="1"/>
-          </p:cNvSpPr>
-          <p:nvPr>
-            <p:ph type="title" idx="4294967295"/>
-          </p:nvPr>
-        </p:nvSpPr>
-        <p:spPr>
-          <a:xfrm>
-            <a:off x="1600200" y="304800"/>
-            <a:ext cx="7543800" cy="1143000"/>
-          </a:xfrm>
-        </p:spPr>
-        <p:txBody>
-          <a:bodyPr/>
-          <a:lstStyle/>
-          <a:p>
-            <a:pPr eaLnBrk="1" hangingPunct="1"/>
-            <a:r>
-              <a:rPr lang="en-US" i="1">
-                <a:solidFill>
-                  <a:srgbClr val="FFFF00"/>
-                </a:solidFill>
-              </a:rPr>
-              <a:t>Combinatorial</a:t>
-            </a:r>
-            <a:r>
-              <a:rPr lang="en-US"/>
-              <a:t>  </a:t>
-            </a:r>
-            <a:r>
-              <a:rPr lang="en-US">
-                <a:solidFill>
-                  <a:schemeClr val="tx1"/>
-                </a:solidFill>
-              </a:rPr>
-              <a:t>Proof</a:t>
-            </a:r>
-          </a:p>
-        </p:txBody>
-      </p:sp>
       <p:graphicFrame>
         <p:nvGraphicFramePr>
           <p:cNvPr id="25602" name="Object 3"/>
@@ -32568,12 +33736,12 @@
           <p:nvPr/>
         </p:nvGraphicFramePr>
         <p:xfrm>
-          <a:off x="2230438" y="1201738"/>
-          <a:ext cx="4627562" cy="2701925"/>
+          <a:off x="2252663" y="1065213"/>
+          <a:ext cx="4581525" cy="2976562"/>
         </p:xfrm>
         <a:graphic>
           <a:graphicData uri="http://schemas.openxmlformats.org/presentationml/2006/ole">
-            <p:oleObj spid="_x0000_s25603" name="Equation" r:id="rId5" imgW="1282700" imgH="749300" progId="Equation.DSMT4">
+            <p:oleObj spid="_x0000_s25603" name="Equation" r:id="rId5" imgW="1270000" imgH="825500" progId="Equation.DSMT4">
               <p:embed/>
             </p:oleObj>
           </a:graphicData>
@@ -32618,19 +33786,37 @@
               </a:spcAft>
             </a:pPr>
             <a:r>
-              <a:rPr lang="en-US" sz="4800">
+              <a:rPr lang="en-US" sz="4800" dirty="0">
                 <a:latin typeface="Comic Sans MS" pitchFamily="66" charset="0"/>
               </a:rPr>
               <a:t>So LHS = </a:t>
             </a:r>
             <a:r>
-              <a:rPr lang="en-US" sz="4800">
+              <a:rPr lang="en-US" sz="4800" dirty="0">
                 <a:solidFill>
-                  <a:srgbClr val="FFFF00"/>
+                  <a:srgbClr val="0000FF"/>
                 </a:solidFill>
                 <a:latin typeface="Comic Sans MS" pitchFamily="66" charset="0"/>
               </a:rPr>
-              <a:t># size n subsets</a:t>
+              <a:t># size </a:t>
+            </a:r>
+            <a:r>
+              <a:rPr lang="en-US" sz="4800" dirty="0" err="1">
+                <a:solidFill>
+                  <a:srgbClr val="0000FF"/>
+                </a:solidFill>
+                <a:latin typeface="Comic Sans MS" pitchFamily="66" charset="0"/>
+              </a:rPr>
+              <a:t>n</a:t>
+            </a:r>
+            <a:r>
+              <a:rPr lang="en-US" sz="4800" dirty="0">
+                <a:solidFill>
+                  <a:srgbClr val="0000FF"/>
+                </a:solidFill>
+                <a:latin typeface="Comic Sans MS" pitchFamily="66" charset="0"/>
+              </a:rPr>
+              <a:t> subsets</a:t>
             </a:r>
           </a:p>
           <a:p>
@@ -32643,22 +33829,22 @@
               </a:spcAft>
             </a:pPr>
             <a:r>
-              <a:rPr lang="en-US" sz="4800">
+              <a:rPr lang="en-US" sz="4800" dirty="0">
                 <a:latin typeface="Comic Sans MS" pitchFamily="66" charset="0"/>
               </a:rPr>
-              <a:t>of  </a:t>
-            </a:r>
-            <a:r>
-              <a:rPr lang="en-US" sz="4800">
+              <a:t>of </a:t>
+            </a:r>
+            <a:r>
+              <a:rPr lang="en-US" sz="4800" dirty="0">
                 <a:solidFill>
-                  <a:srgbClr val="FFFF00"/>
+                  <a:srgbClr val="0000FF"/>
                 </a:solidFill>
                 <a:latin typeface="Comic Sans MS" pitchFamily="66" charset="0"/>
               </a:rPr>
-              <a:t>{</a:t>
-            </a:r>
-            <a:r>
-              <a:rPr lang="en-US" sz="4800">
+              <a:t> {</a:t>
+            </a:r>
+            <a:r>
+              <a:rPr lang="en-US" sz="4800" dirty="0">
                 <a:solidFill>
                   <a:srgbClr val="FF0000"/>
                 </a:solidFill>
@@ -32667,26 +33853,149 @@
               <a:t>1,…,n,</a:t>
             </a:r>
             <a:r>
-              <a:rPr lang="en-US" sz="4800">
+              <a:rPr lang="en-US" sz="4800" dirty="0">
                 <a:latin typeface="Comic Sans MS" pitchFamily="66" charset="0"/>
               </a:rPr>
-              <a:t>1,….,n</a:t>
-            </a:r>
-            <a:r>
-              <a:rPr lang="en-US" sz="4800">
+              <a:t>1,….,</a:t>
+            </a:r>
+            <a:r>
+              <a:rPr lang="en-US" sz="4800" dirty="0" err="1">
+                <a:latin typeface="Comic Sans MS" pitchFamily="66" charset="0"/>
+              </a:rPr>
+              <a:t>n</a:t>
+            </a:r>
+            <a:r>
+              <a:rPr lang="en-US" sz="4800" dirty="0">
                 <a:solidFill>
-                  <a:srgbClr val="FFFF00"/>
+                  <a:srgbClr val="0000FF"/>
                 </a:solidFill>
                 <a:latin typeface="Comic Sans MS" pitchFamily="66" charset="0"/>
               </a:rPr>
               <a:t>}</a:t>
             </a:r>
             <a:r>
-              <a:rPr lang="en-US" sz="4800">
+              <a:rPr lang="en-US" sz="4800" dirty="0">
                 <a:latin typeface="Comic Sans MS" pitchFamily="66" charset="0"/>
               </a:rPr>
               <a:t> by Sum Rule </a:t>
             </a:r>
+          </a:p>
+        </p:txBody>
+      </p:sp>
+      <p:sp>
+        <p:nvSpPr>
+          <p:cNvPr id="8" name="Rectangle 6"/>
+          <p:cNvSpPr txBox="1">
+            <a:spLocks noChangeArrowheads="1"/>
+          </p:cNvSpPr>
+          <p:nvPr/>
+        </p:nvSpPr>
+        <p:spPr bwMode="auto">
+          <a:xfrm>
+            <a:off x="1600200" y="304800"/>
+            <a:ext cx="7543800" cy="1143000"/>
+          </a:xfrm>
+          <a:prstGeom prst="rect">
+            <a:avLst/>
+          </a:prstGeom>
+          <a:noFill/>
+          <a:ln w="9525">
+            <a:noFill/>
+            <a:miter lim="800000"/>
+            <a:headEnd/>
+            <a:tailEnd/>
+          </a:ln>
+        </p:spPr>
+        <p:txBody>
+          <a:bodyPr vert="horz" wrap="square" lIns="91440" tIns="45720" rIns="91440" bIns="45720" numCol="1" anchor="ctr" anchorCtr="0" compatLnSpc="1">
+            <a:prstTxWarp prst="textNoShape">
+              <a:avLst/>
+            </a:prstTxWarp>
+          </a:bodyPr>
+          <a:lstStyle/>
+          <a:p>
+            <a:pPr marL="0" marR="0" lvl="0" indent="0" algn="l" defTabSz="914400" rtl="0" eaLnBrk="1" fontAlgn="base" latinLnBrk="0" hangingPunct="1">
+              <a:lnSpc>
+                <a:spcPct val="100000"/>
+              </a:lnSpc>
+              <a:spcBef>
+                <a:spcPct val="0"/>
+              </a:spcBef>
+              <a:spcAft>
+                <a:spcPct val="0"/>
+              </a:spcAft>
+              <a:buClrTx/>
+              <a:buSzTx/>
+              <a:buFontTx/>
+              <a:buNone/>
+              <a:tabLst/>
+              <a:defRPr/>
+            </a:pPr>
+            <a:r>
+              <a:rPr kumimoji="0" lang="en-US" sz="4000" b="1" i="0" u="none" strike="noStrike" kern="1200" cap="none" spc="0" normalizeH="0" baseline="0" noProof="0" smtClean="0">
+                <a:ln>
+                  <a:noFill/>
+                </a:ln>
+                <a:solidFill>
+                  <a:srgbClr val="000000"/>
+                </a:solidFill>
+                <a:effectLst/>
+                <a:uLnTx/>
+                <a:uFillTx/>
+                <a:latin typeface="+mj-lt"/>
+                <a:ea typeface="+mj-ea"/>
+                <a:cs typeface="+mj-cs"/>
+              </a:rPr>
+              <a:t>Combinatorial</a:t>
+            </a:r>
+            <a:r>
+              <a:rPr kumimoji="0" lang="en-US" sz="4000" b="1" i="0" u="none" strike="noStrike" kern="1200" cap="none" spc="0" normalizeH="0" baseline="0" noProof="0" smtClean="0">
+                <a:ln>
+                  <a:noFill/>
+                </a:ln>
+                <a:solidFill>
+                  <a:srgbClr val="0000FF"/>
+                </a:solidFill>
+                <a:effectLst/>
+                <a:uLnTx/>
+                <a:uFillTx/>
+                <a:latin typeface="+mj-lt"/>
+                <a:ea typeface="+mj-ea"/>
+                <a:cs typeface="+mj-cs"/>
+              </a:rPr>
+              <a:t> </a:t>
+            </a:r>
+            <a:r>
+              <a:rPr kumimoji="0" lang="en-US" sz="4000" b="1" i="0" u="none" strike="noStrike" kern="1200" cap="none" spc="0" normalizeH="0" baseline="0" noProof="0" smtClean="0">
+                <a:ln>
+                  <a:noFill/>
+                </a:ln>
+                <a:solidFill>
+                  <a:schemeClr val="tx1"/>
+                </a:solidFill>
+                <a:effectLst/>
+                <a:uLnTx/>
+                <a:uFillTx/>
+                <a:latin typeface="+mj-lt"/>
+                <a:ea typeface="+mj-ea"/>
+                <a:cs typeface="+mj-cs"/>
+              </a:rPr>
+              <a:t>Proof, II</a:t>
+            </a:r>
+            <a:endParaRPr kumimoji="0" lang="en-US" sz="4000" b="1" i="0" u="none" strike="noStrike" kern="1200" cap="none" spc="0" normalizeH="0" baseline="0" noProof="0" dirty="0">
+              <a:ln>
+                <a:noFill/>
+              </a:ln>
+              <a:solidFill>
+                <a:schemeClr val="tx1"/>
+              </a:solidFill>
+              <a:effectLst/>
+              <a:uLnTx/>
+              <a:uFillTx/>
+              <a:latin typeface="+mj-lt"/>
+              <a:ea typeface="+mj-ea"/>
+              <a:cs typeface="+mj-cs"/>
+            </a:endParaRPr>
           </a:p>
         </p:txBody>
       </p:sp>
@@ -32695,7 +34004,9 @@
   <p:clrMapOvr>
     <a:masterClrMapping/>
   </p:clrMapOvr>
-  <p:transition/>
+  <p:transition spd="slow">
+    <p:fade/>
+  </p:transition>
   <p:timing>
     <p:tnLst>
       <p:par>
@@ -32706,8 +34017,8 @@
 </p:sld>
 </file>
 
-<file path=ppt/slides/slide33.xml><?xml version="1.0" encoding="utf-8"?>
-<p:sld xmlns:a="http://schemas.openxmlformats.org/drawingml/2006/main" xmlns:r="http://schemas.openxmlformats.org/officeDocument/2006/relationships" xmlns:mc="http://schemas.openxmlformats.org/markup-compatibility/2006" xmlns:mv="urn:schemas-microsoft-com:mac:vml" xmlns:p="http://schemas.openxmlformats.org/presentationml/2006/main" mc:Ignorable="mv" mc:PreserveAttributes="mv:*" show="0">
+<file path=ppt/slides/slide34.xml><?xml version="1.0" encoding="utf-8"?>
+<p:sld xmlns:a="http://schemas.openxmlformats.org/drawingml/2006/main" xmlns:r="http://schemas.openxmlformats.org/officeDocument/2006/relationships" xmlns:mc="http://schemas.openxmlformats.org/markup-compatibility/2006" xmlns:mv="urn:schemas-microsoft-com:mac:vml" xmlns:p="http://schemas.openxmlformats.org/presentationml/2006/main" mc:Ignorable="mv" mc:PreserveAttributes="mv:*">
   <p:cSld>
     <p:spTree>
       <p:nvGrpSpPr>
@@ -32776,50 +34087,6 @@
             <a:endParaRPr lang="en-US" sz="1000" dirty="0">
               <a:latin typeface="Comic Sans MS" pitchFamily="66" charset="0"/>
             </a:endParaRPr>
-          </a:p>
-        </p:txBody>
-      </p:sp>
-      <p:sp>
-        <p:nvSpPr>
-          <p:cNvPr id="26630" name="Rectangle 6"/>
-          <p:cNvSpPr>
-            <a:spLocks noGrp="1" noChangeArrowheads="1"/>
-          </p:cNvSpPr>
-          <p:nvPr>
-            <p:ph type="title" idx="4294967295"/>
-          </p:nvPr>
-        </p:nvSpPr>
-        <p:spPr>
-          <a:xfrm>
-            <a:off x="1600200" y="304800"/>
-            <a:ext cx="7543800" cy="1143000"/>
-          </a:xfrm>
-        </p:spPr>
-        <p:txBody>
-          <a:bodyPr/>
-          <a:lstStyle/>
-          <a:p>
-            <a:pPr eaLnBrk="1" hangingPunct="1"/>
-            <a:r>
-              <a:rPr lang="en-US" i="1">
-                <a:solidFill>
-                  <a:srgbClr val="FFFF00"/>
-                </a:solidFill>
-              </a:rPr>
-              <a:t>Combinatorial</a:t>
-            </a:r>
-            <a:r>
-              <a:rPr lang="en-US"/>
-              <a:t>  </a:t>
-            </a:r>
-            <a:r>
-              <a:rPr lang="en-US">
-                <a:solidFill>
-                  <a:schemeClr val="tx1"/>
-                </a:solidFill>
-              </a:rPr>
-              <a:t>Proof</a:t>
-            </a:r>
           </a:p>
         </p:txBody>
       </p:sp>
@@ -32882,7 +34149,7 @@
               </a:spcAft>
             </a:pPr>
             <a:r>
-              <a:rPr lang="en-US" sz="4400">
+              <a:rPr lang="en-US" sz="4400" dirty="0">
                 <a:latin typeface="Comic Sans MS" pitchFamily="66" charset="0"/>
               </a:rPr>
               <a:t>Therefore</a:t>
@@ -32898,22 +34165,40 @@
               </a:spcAft>
             </a:pPr>
             <a:r>
-              <a:rPr lang="en-US" sz="4400">
+              <a:rPr lang="en-US" sz="4400" dirty="0">
                 <a:latin typeface="Comic Sans MS" pitchFamily="66" charset="0"/>
               </a:rPr>
               <a:t>LHS = </a:t>
             </a:r>
             <a:r>
-              <a:rPr lang="en-US" sz="4400">
+              <a:rPr lang="en-US" sz="4400" dirty="0">
                 <a:solidFill>
-                  <a:srgbClr val="FFFF00"/>
+                  <a:srgbClr val="0000FF"/>
                 </a:solidFill>
                 <a:latin typeface="Comic Sans MS" pitchFamily="66" charset="0"/>
               </a:rPr>
-              <a:t># size n subsets</a:t>
-            </a:r>
-            <a:r>
-              <a:rPr lang="en-US" sz="4400">
+              <a:t># size </a:t>
+            </a:r>
+            <a:r>
+              <a:rPr lang="en-US" sz="4400" dirty="0" err="1">
+                <a:solidFill>
+                  <a:srgbClr val="0000FF"/>
+                </a:solidFill>
+                <a:latin typeface="Comic Sans MS" pitchFamily="66" charset="0"/>
+              </a:rPr>
+              <a:t>n</a:t>
+            </a:r>
+            <a:r>
+              <a:rPr lang="en-US" sz="4400" dirty="0">
+                <a:solidFill>
+                  <a:srgbClr val="0000FF"/>
+                </a:solidFill>
+                <a:latin typeface="Comic Sans MS" pitchFamily="66" charset="0"/>
+              </a:rPr>
+              <a:t> subsets</a:t>
+            </a:r>
+            <a:r>
+              <a:rPr lang="en-US" sz="4400" dirty="0">
                 <a:latin typeface="Comic Sans MS" pitchFamily="66" charset="0"/>
               </a:rPr>
               <a:t> = RHS</a:t>
@@ -32930,34 +34215,339 @@
           <p:nvPr/>
         </p:nvGraphicFramePr>
         <p:xfrm>
-          <a:off x="1589088" y="3124200"/>
-          <a:ext cx="5051425" cy="2590800"/>
+          <a:off x="1589088" y="2897188"/>
+          <a:ext cx="5051425" cy="3044825"/>
         </p:xfrm>
         <a:graphic>
           <a:graphicData uri="http://schemas.openxmlformats.org/presentationml/2006/ole">
-            <p:oleObj spid="_x0000_s26627" name="Equation" r:id="rId5" imgW="990600" imgH="508000" progId="Equation.DSMT4">
+            <p:oleObj spid="_x0000_s26627" name="Equation" r:id="rId5" imgW="990600" imgH="596900" progId="Equation.DSMT4">
               <p:embed/>
             </p:oleObj>
           </a:graphicData>
         </a:graphic>
       </p:graphicFrame>
+      <p:sp>
+        <p:nvSpPr>
+          <p:cNvPr id="8" name="Rectangle 6"/>
+          <p:cNvSpPr txBox="1">
+            <a:spLocks noChangeArrowheads="1"/>
+          </p:cNvSpPr>
+          <p:nvPr/>
+        </p:nvSpPr>
+        <p:spPr bwMode="auto">
+          <a:xfrm>
+            <a:off x="1676400" y="304800"/>
+            <a:ext cx="7543800" cy="1143000"/>
+          </a:xfrm>
+          <a:prstGeom prst="rect">
+            <a:avLst/>
+          </a:prstGeom>
+          <a:noFill/>
+          <a:ln w="9525">
+            <a:noFill/>
+            <a:miter lim="800000"/>
+            <a:headEnd/>
+            <a:tailEnd/>
+          </a:ln>
+        </p:spPr>
+        <p:txBody>
+          <a:bodyPr vert="horz" wrap="square" lIns="91440" tIns="45720" rIns="91440" bIns="45720" numCol="1" anchor="ctr" anchorCtr="0" compatLnSpc="1">
+            <a:prstTxWarp prst="textNoShape">
+              <a:avLst/>
+            </a:prstTxWarp>
+          </a:bodyPr>
+          <a:lstStyle/>
+          <a:p>
+            <a:pPr marL="0" marR="0" lvl="0" indent="0" algn="l" defTabSz="914400" rtl="0" eaLnBrk="1" fontAlgn="base" latinLnBrk="0" hangingPunct="1">
+              <a:lnSpc>
+                <a:spcPct val="100000"/>
+              </a:lnSpc>
+              <a:spcBef>
+                <a:spcPct val="0"/>
+              </a:spcBef>
+              <a:spcAft>
+                <a:spcPct val="0"/>
+              </a:spcAft>
+              <a:buClrTx/>
+              <a:buSzTx/>
+              <a:buFontTx/>
+              <a:buNone/>
+              <a:tabLst/>
+              <a:defRPr/>
+            </a:pPr>
+            <a:r>
+              <a:rPr kumimoji="0" lang="en-US" sz="4000" b="1" i="0" u="none" strike="noStrike" kern="1200" cap="none" spc="0" normalizeH="0" baseline="0" noProof="0" smtClean="0">
+                <a:ln>
+                  <a:noFill/>
+                </a:ln>
+                <a:solidFill>
+                  <a:srgbClr val="000000"/>
+                </a:solidFill>
+                <a:effectLst/>
+                <a:uLnTx/>
+                <a:uFillTx/>
+                <a:latin typeface="+mj-lt"/>
+                <a:ea typeface="+mj-ea"/>
+                <a:cs typeface="+mj-cs"/>
+              </a:rPr>
+              <a:t>Combinatorial</a:t>
+            </a:r>
+            <a:r>
+              <a:rPr kumimoji="0" lang="en-US" sz="4000" b="1" i="0" u="none" strike="noStrike" kern="1200" cap="none" spc="0" normalizeH="0" baseline="0" noProof="0" smtClean="0">
+                <a:ln>
+                  <a:noFill/>
+                </a:ln>
+                <a:solidFill>
+                  <a:srgbClr val="0000FF"/>
+                </a:solidFill>
+                <a:effectLst/>
+                <a:uLnTx/>
+                <a:uFillTx/>
+                <a:latin typeface="+mj-lt"/>
+                <a:ea typeface="+mj-ea"/>
+                <a:cs typeface="+mj-cs"/>
+              </a:rPr>
+              <a:t> </a:t>
+            </a:r>
+            <a:r>
+              <a:rPr kumimoji="0" lang="en-US" sz="4000" b="1" i="0" u="none" strike="noStrike" kern="1200" cap="none" spc="0" normalizeH="0" baseline="0" noProof="0" smtClean="0">
+                <a:ln>
+                  <a:noFill/>
+                </a:ln>
+                <a:solidFill>
+                  <a:schemeClr val="tx1"/>
+                </a:solidFill>
+                <a:effectLst/>
+                <a:uLnTx/>
+                <a:uFillTx/>
+                <a:latin typeface="+mj-lt"/>
+                <a:ea typeface="+mj-ea"/>
+                <a:cs typeface="+mj-cs"/>
+              </a:rPr>
+              <a:t>Proof, II</a:t>
+            </a:r>
+            <a:endParaRPr kumimoji="0" lang="en-US" sz="4000" b="1" i="0" u="none" strike="noStrike" kern="1200" cap="none" spc="0" normalizeH="0" baseline="0" noProof="0" dirty="0">
+              <a:ln>
+                <a:noFill/>
+              </a:ln>
+              <a:solidFill>
+                <a:schemeClr val="tx1"/>
+              </a:solidFill>
+              <a:effectLst/>
+              <a:uLnTx/>
+              <a:uFillTx/>
+              <a:latin typeface="+mj-lt"/>
+              <a:ea typeface="+mj-ea"/>
+              <a:cs typeface="+mj-cs"/>
+            </a:endParaRPr>
+          </a:p>
+        </p:txBody>
+      </p:sp>
+      <p:sp>
+        <p:nvSpPr>
+          <p:cNvPr id="9" name="TextBox 8"/>
+          <p:cNvSpPr txBox="1"/>
+          <p:nvPr/>
+        </p:nvSpPr>
+        <p:spPr>
+          <a:xfrm>
+            <a:off x="3352800" y="5410200"/>
+            <a:ext cx="2065890" cy="1107996"/>
+          </a:xfrm>
+          <a:prstGeom prst="rect">
+            <a:avLst/>
+          </a:prstGeom>
+          <a:noFill/>
+        </p:spPr>
+        <p:txBody>
+          <a:bodyPr wrap="none" rtlCol="0">
+            <a:spAutoFit/>
+          </a:bodyPr>
+          <a:lstStyle/>
+          <a:p>
+            <a:r>
+              <a:rPr lang="en-US" sz="6600" dirty="0" smtClean="0">
+                <a:solidFill>
+                  <a:srgbClr val="FF00FF"/>
+                </a:solidFill>
+              </a:rPr>
+              <a:t>QED</a:t>
+            </a:r>
+            <a:endParaRPr lang="en-US" sz="6600" dirty="0">
+              <a:solidFill>
+                <a:srgbClr val="FF00FF"/>
+              </a:solidFill>
+            </a:endParaRPr>
+          </a:p>
+        </p:txBody>
+      </p:sp>
     </p:spTree>
   </p:cSld>
   <p:clrMapOvr>
     <a:masterClrMapping/>
   </p:clrMapOvr>
-  <p:transition/>
+  <p:transition spd="slow">
+    <p:fade/>
+  </p:transition>
   <p:timing>
     <p:tnLst>
       <p:par>
-        <p:cTn id="1" dur="indefinite" restart="never" nodeType="tmRoot"/>
+        <p:cTn id="1" dur="indefinite" restart="never" nodeType="tmRoot">
+          <p:childTnLst>
+            <p:seq concurrent="1" nextAc="seek">
+              <p:cTn id="2" dur="indefinite" nodeType="mainSeq">
+                <p:childTnLst>
+                  <p:par>
+                    <p:cTn id="3" fill="hold">
+                      <p:stCondLst>
+                        <p:cond delay="indefinite"/>
+                      </p:stCondLst>
+                      <p:childTnLst>
+                        <p:par>
+                          <p:cTn id="4" fill="hold">
+                            <p:stCondLst>
+                              <p:cond delay="0"/>
+                            </p:stCondLst>
+                            <p:childTnLst>
+                              <p:par>
+                                <p:cTn id="5" presetID="49" presetClass="entr" presetSubtype="0" decel="100000" fill="hold" grpId="0" nodeType="clickEffect">
+                                  <p:stCondLst>
+                                    <p:cond delay="0"/>
+                                  </p:stCondLst>
+                                  <p:childTnLst>
+                                    <p:set>
+                                      <p:cBhvr>
+                                        <p:cTn id="6" dur="1" fill="hold">
+                                          <p:stCondLst>
+                                            <p:cond delay="0"/>
+                                          </p:stCondLst>
+                                        </p:cTn>
+                                        <p:tgtEl>
+                                          <p:spTgt spid="9"/>
+                                        </p:tgtEl>
+                                        <p:attrNameLst>
+                                          <p:attrName>style.visibility</p:attrName>
+                                        </p:attrNameLst>
+                                      </p:cBhvr>
+                                      <p:to>
+                                        <p:strVal val="visible"/>
+                                      </p:to>
+                                    </p:set>
+                                    <p:anim calcmode="lin" valueType="num">
+                                      <p:cBhvr>
+                                        <p:cTn id="7" dur="500" fill="hold"/>
+                                        <p:tgtEl>
+                                          <p:spTgt spid="9"/>
+                                        </p:tgtEl>
+                                        <p:attrNameLst>
+                                          <p:attrName>ppt_w</p:attrName>
+                                        </p:attrNameLst>
+                                      </p:cBhvr>
+                                      <p:tavLst>
+                                        <p:tav tm="0">
+                                          <p:val>
+                                            <p:fltVal val="0"/>
+                                          </p:val>
+                                        </p:tav>
+                                        <p:tav tm="100000">
+                                          <p:val>
+                                            <p:strVal val="#ppt_w"/>
+                                          </p:val>
+                                        </p:tav>
+                                      </p:tavLst>
+                                    </p:anim>
+                                    <p:anim calcmode="lin" valueType="num">
+                                      <p:cBhvr>
+                                        <p:cTn id="8" dur="500" fill="hold"/>
+                                        <p:tgtEl>
+                                          <p:spTgt spid="9"/>
+                                        </p:tgtEl>
+                                        <p:attrNameLst>
+                                          <p:attrName>ppt_h</p:attrName>
+                                        </p:attrNameLst>
+                                      </p:cBhvr>
+                                      <p:tavLst>
+                                        <p:tav tm="0">
+                                          <p:val>
+                                            <p:fltVal val="0"/>
+                                          </p:val>
+                                        </p:tav>
+                                        <p:tav tm="100000">
+                                          <p:val>
+                                            <p:strVal val="#ppt_h"/>
+                                          </p:val>
+                                        </p:tav>
+                                      </p:tavLst>
+                                    </p:anim>
+                                    <p:anim calcmode="lin" valueType="num">
+                                      <p:cBhvr>
+                                        <p:cTn id="9" dur="500" fill="hold"/>
+                                        <p:tgtEl>
+                                          <p:spTgt spid="9"/>
+                                        </p:tgtEl>
+                                        <p:attrNameLst>
+                                          <p:attrName>style.rotation</p:attrName>
+                                        </p:attrNameLst>
+                                      </p:cBhvr>
+                                      <p:tavLst>
+                                        <p:tav tm="0">
+                                          <p:val>
+                                            <p:fltVal val="360"/>
+                                          </p:val>
+                                        </p:tav>
+                                        <p:tav tm="100000">
+                                          <p:val>
+                                            <p:fltVal val="0"/>
+                                          </p:val>
+                                        </p:tav>
+                                      </p:tavLst>
+                                    </p:anim>
+                                    <p:animEffect transition="in" filter="fade">
+                                      <p:cBhvr>
+                                        <p:cTn id="10" dur="500"/>
+                                        <p:tgtEl>
+                                          <p:spTgt spid="9"/>
+                                        </p:tgtEl>
+                                      </p:cBhvr>
+                                    </p:animEffect>
+                                  </p:childTnLst>
+                                </p:cTn>
+                              </p:par>
+                            </p:childTnLst>
+                          </p:cTn>
+                        </p:par>
+                      </p:childTnLst>
+                    </p:cTn>
+                  </p:par>
+                </p:childTnLst>
+              </p:cTn>
+              <p:prevCondLst>
+                <p:cond evt="onPrev" delay="0">
+                  <p:tgtEl>
+                    <p:sldTgt/>
+                  </p:tgtEl>
+                </p:cond>
+              </p:prevCondLst>
+              <p:nextCondLst>
+                <p:cond evt="onNext" delay="0">
+                  <p:tgtEl>
+                    <p:sldTgt/>
+                  </p:tgtEl>
+                </p:cond>
+              </p:nextCondLst>
+            </p:seq>
+          </p:childTnLst>
+        </p:cTn>
       </p:par>
     </p:tnLst>
+    <p:bldLst>
+      <p:bldP spid="9" grpId="0"/>
+    </p:bldLst>
   </p:timing>
 </p:sld>
 </file>
 
-<file path=ppt/slides/slide34.xml><?xml version="1.0" encoding="utf-8"?>
+<file path=ppt/slides/slide35.xml><?xml version="1.0" encoding="utf-8"?>
 <p:sld xmlns:a="http://schemas.openxmlformats.org/drawingml/2006/main" xmlns:r="http://schemas.openxmlformats.org/officeDocument/2006/relationships" xmlns:mc="http://schemas.openxmlformats.org/markup-compatibility/2006" xmlns:mv="urn:schemas-microsoft-com:mac:vml" xmlns:p="http://schemas.openxmlformats.org/presentationml/2006/main" mc:Ignorable="mv" mc:PreserveAttributes="mv:*">
   <p:cSld>
     <p:spTree>
@@ -33052,7 +34642,7 @@
           <a:p>
             <a:pPr eaLnBrk="1" hangingPunct="1"/>
             <a:r>
-              <a:rPr lang="en-US">
+              <a:rPr lang="en-US" dirty="0">
                 <a:solidFill>
                   <a:schemeClr val="tx1"/>
                 </a:solidFill>
@@ -33070,8 +34660,8 @@
         </p:nvSpPr>
         <p:spPr>
           <a:xfrm>
-            <a:off x="1371600" y="1905000"/>
-            <a:ext cx="6388288" cy="3012363"/>
+            <a:off x="752084" y="1905000"/>
+            <a:ext cx="7627321" cy="3560975"/>
           </a:xfrm>
           <a:prstGeom prst="rect">
             <a:avLst/>
@@ -33090,7 +34680,7 @@
               </a:lnSpc>
             </a:pPr>
             <a:r>
-              <a:rPr lang="en-US" sz="11500" dirty="0" smtClean="0"/>
+              <a:rPr lang="en-US" sz="13800" dirty="0" smtClean="0"/>
               <a:t>Problems</a:t>
             </a:r>
           </a:p>
@@ -33101,11 +34691,11 @@
               </a:lnSpc>
             </a:pPr>
             <a:r>
-              <a:rPr lang="en-US" sz="11500" smtClean="0"/>
+              <a:rPr lang="en-US" sz="13800" dirty="0" smtClean="0"/>
               <a:t>1</a:t>
             </a:r>
             <a:r>
-              <a:rPr lang="en-US" sz="11500" smtClean="0">
+              <a:rPr lang="en-US" sz="13800" dirty="0" smtClean="0">
                 <a:latin typeface="Euclid Symbol" charset="2"/>
                 <a:cs typeface="Euclid Symbol" charset="2"/>
                 <a:sym typeface="Euclid Symbol" pitchFamily="18" charset="2"/>
@@ -33113,10 +34703,10 @@
               <a:t>-</a:t>
             </a:r>
             <a:r>
-              <a:rPr lang="en-US" sz="11500" smtClean="0"/>
-              <a:t>5</a:t>
-            </a:r>
-            <a:endParaRPr lang="en-US" sz="11500" dirty="0"/>
+              <a:rPr lang="en-US" sz="13800" dirty="0" smtClean="0"/>
+              <a:t>3</a:t>
+            </a:r>
+            <a:endParaRPr lang="en-US" sz="13800" dirty="0"/>
           </a:p>
         </p:txBody>
       </p:sp>
@@ -34615,6 +36205,9 @@
                     <p:cTn id="3" fill="hold">
                       <p:stCondLst>
                         <p:cond delay="indefinite"/>
+                        <p:cond evt="onBegin" delay="0">
+                          <p:tn val="2"/>
+                        </p:cond>
                       </p:stCondLst>
                       <p:childTnLst>
                         <p:par>
@@ -34624,7 +36217,7 @@
                             </p:stCondLst>
                             <p:childTnLst>
                               <p:par>
-                                <p:cTn id="5" presetID="22" presetClass="entr" presetSubtype="8" fill="hold" nodeType="clickEffect">
+                                <p:cTn id="5" presetID="22" presetClass="entr" presetSubtype="4" fill="hold" nodeType="afterEffect">
                                   <p:stCondLst>
                                     <p:cond delay="0"/>
                                   </p:stCondLst>
@@ -34632,50 +36225,6 @@
                                     <p:set>
                                       <p:cBhvr>
                                         <p:cTn id="6" dur="1" fill="hold">
-                                          <p:stCondLst>
-                                            <p:cond delay="0"/>
-                                          </p:stCondLst>
-                                        </p:cTn>
-                                        <p:tgtEl>
-                                          <p:spTgt spid="2051"/>
-                                        </p:tgtEl>
-                                        <p:attrNameLst>
-                                          <p:attrName>style.visibility</p:attrName>
-                                        </p:attrNameLst>
-                                      </p:cBhvr>
-                                      <p:to>
-                                        <p:strVal val="visible"/>
-                                      </p:to>
-                                    </p:set>
-                                    <p:animEffect transition="in" filter="wipe(left)">
-                                      <p:cBhvr>
-                                        <p:cTn id="7" dur="500"/>
-                                        <p:tgtEl>
-                                          <p:spTgt spid="2051"/>
-                                        </p:tgtEl>
-                                      </p:cBhvr>
-                                    </p:animEffect>
-                                  </p:childTnLst>
-                                </p:cTn>
-                              </p:par>
-                            </p:childTnLst>
-                          </p:cTn>
-                        </p:par>
-                        <p:par>
-                          <p:cTn id="8" fill="hold">
-                            <p:stCondLst>
-                              <p:cond delay="500"/>
-                            </p:stCondLst>
-                            <p:childTnLst>
-                              <p:par>
-                                <p:cTn id="9" presetID="22" presetClass="entr" presetSubtype="2" fill="hold" nodeType="afterEffect">
-                                  <p:stCondLst>
-                                    <p:cond delay="0"/>
-                                  </p:stCondLst>
-                                  <p:childTnLst>
-                                    <p:set>
-                                      <p:cBhvr>
-                                        <p:cTn id="10" dur="1" fill="hold">
                                           <p:stCondLst>
                                             <p:cond delay="0"/>
                                           </p:stCondLst>
@@ -34691,9 +36240,9 @@
                                         <p:strVal val="visible"/>
                                       </p:to>
                                     </p:set>
-                                    <p:animEffect transition="in" filter="wipe(right)">
+                                    <p:animEffect transition="in" filter="wipe(down)">
                                       <p:cBhvr>
-                                        <p:cTn id="11" dur="500"/>
+                                        <p:cTn id="7" dur="1000"/>
                                         <p:tgtEl>
                                           <p:spTgt spid="12"/>
                                         </p:tgtEl>
@@ -34709,26 +36258,26 @@
                     </p:cTn>
                   </p:par>
                   <p:par>
-                    <p:cTn id="12" fill="hold">
+                    <p:cTn id="8" fill="hold">
                       <p:stCondLst>
                         <p:cond delay="indefinite"/>
                       </p:stCondLst>
                       <p:childTnLst>
                         <p:par>
-                          <p:cTn id="13" fill="hold">
+                          <p:cTn id="9" fill="hold">
                             <p:stCondLst>
                               <p:cond delay="0"/>
                             </p:stCondLst>
                             <p:childTnLst>
                               <p:par>
-                                <p:cTn id="14" presetID="1" presetClass="entr" presetSubtype="0" fill="hold" nodeType="clickEffect">
+                                <p:cTn id="10" presetID="1" presetClass="entr" presetSubtype="0" fill="hold" nodeType="clickEffect">
                                   <p:stCondLst>
                                     <p:cond delay="0"/>
                                   </p:stCondLst>
                                   <p:childTnLst>
                                     <p:set>
                                       <p:cBhvr>
-                                        <p:cTn id="15" dur="1" fill="hold">
+                                        <p:cTn id="11" dur="1" fill="hold">
                                           <p:stCondLst>
                                             <p:cond delay="0"/>
                                           </p:stCondLst>
@@ -34758,26 +36307,26 @@
                     </p:cTn>
                   </p:par>
                   <p:par>
-                    <p:cTn id="16" fill="hold">
+                    <p:cTn id="12" fill="hold">
                       <p:stCondLst>
                         <p:cond delay="indefinite"/>
                       </p:stCondLst>
                       <p:childTnLst>
                         <p:par>
-                          <p:cTn id="17" fill="hold">
+                          <p:cTn id="13" fill="hold">
                             <p:stCondLst>
                               <p:cond delay="0"/>
                             </p:stCondLst>
                             <p:childTnLst>
                               <p:par>
-                                <p:cTn id="18" presetID="22" presetClass="entr" presetSubtype="8" fill="hold" nodeType="clickEffect">
+                                <p:cTn id="14" presetID="22" presetClass="entr" presetSubtype="8" fill="hold" nodeType="clickEffect">
                                   <p:stCondLst>
                                     <p:cond delay="0"/>
                                   </p:stCondLst>
                                   <p:childTnLst>
                                     <p:set>
                                       <p:cBhvr>
-                                        <p:cTn id="19" dur="1" fill="hold">
+                                        <p:cTn id="15" dur="1" fill="hold">
                                           <p:stCondLst>
                                             <p:cond delay="0"/>
                                           </p:stCondLst>
@@ -34799,7 +36348,7 @@
                                     </p:set>
                                     <p:animEffect transition="in" filter="wipe(left)">
                                       <p:cBhvr>
-                                        <p:cTn id="20" dur="1000"/>
+                                        <p:cTn id="16" dur="1000"/>
                                         <p:tgtEl>
                                           <p:spTgt spid="525318">
                                             <p:txEl>
@@ -34819,26 +36368,26 @@
                     </p:cTn>
                   </p:par>
                   <p:par>
-                    <p:cTn id="21" fill="hold">
+                    <p:cTn id="17" fill="hold">
                       <p:stCondLst>
                         <p:cond delay="indefinite"/>
                       </p:stCondLst>
                       <p:childTnLst>
                         <p:par>
-                          <p:cTn id="22" fill="hold">
+                          <p:cTn id="18" fill="hold">
                             <p:stCondLst>
                               <p:cond delay="0"/>
                             </p:stCondLst>
                             <p:childTnLst>
                               <p:par>
-                                <p:cTn id="23" presetID="1" presetClass="entr" presetSubtype="0" fill="hold" nodeType="clickEffect">
+                                <p:cTn id="19" presetID="9" presetClass="entr" presetSubtype="0" fill="hold" nodeType="clickEffect">
                                   <p:stCondLst>
                                     <p:cond delay="0"/>
                                   </p:stCondLst>
                                   <p:childTnLst>
                                     <p:set>
                                       <p:cBhvr>
-                                        <p:cTn id="24" dur="1" fill="hold">
+                                        <p:cTn id="20" dur="1" fill="hold">
                                           <p:stCondLst>
                                             <p:cond delay="0"/>
                                           </p:stCondLst>
@@ -34858,6 +36407,18 @@
                                         <p:strVal val="visible"/>
                                       </p:to>
                                     </p:set>
+                                    <p:animEffect transition="in" filter="dissolve">
+                                      <p:cBhvr>
+                                        <p:cTn id="21" dur="500"/>
+                                        <p:tgtEl>
+                                          <p:spTgt spid="525318">
+                                            <p:txEl>
+                                              <p:pRg st="2" end="2"/>
+                                            </p:txEl>
+                                          </p:spTgt>
+                                        </p:tgtEl>
+                                      </p:cBhvr>
+                                    </p:animEffect>
                                   </p:childTnLst>
                                 </p:cTn>
                               </p:par>
@@ -35427,7 +36988,7 @@
   <p:clrMapOvr>
     <a:masterClrMapping/>
   </p:clrMapOvr>
-  <p:transition>
+  <p:transition spd="slow">
     <p:fade/>
   </p:transition>
   <p:timing>
@@ -35451,7 +37012,7 @@
                             </p:stCondLst>
                             <p:childTnLst>
                               <p:par>
-                                <p:cTn id="5" presetID="1" presetClass="entr" presetSubtype="0" fill="hold" nodeType="clickEffect">
+                                <p:cTn id="5" presetID="15" presetClass="entr" presetSubtype="0" fill="hold" nodeType="clickEffect">
                                   <p:stCondLst>
                                     <p:cond delay="0"/>
                                   </p:stCondLst>
@@ -35474,6 +37035,98 @@
                                         <p:strVal val="visible"/>
                                       </p:to>
                                     </p:set>
+                                    <p:anim calcmode="lin" valueType="num">
+                                      <p:cBhvr>
+                                        <p:cTn id="7" dur="1000" fill="hold"/>
+                                        <p:tgtEl>
+                                          <p:spTgt spid="581644"/>
+                                        </p:tgtEl>
+                                        <p:attrNameLst>
+                                          <p:attrName>ppt_w</p:attrName>
+                                        </p:attrNameLst>
+                                      </p:cBhvr>
+                                      <p:tavLst>
+                                        <p:tav tm="0">
+                                          <p:val>
+                                            <p:fltVal val="0"/>
+                                          </p:val>
+                                        </p:tav>
+                                        <p:tav tm="100000">
+                                          <p:val>
+                                            <p:strVal val="#ppt_w"/>
+                                          </p:val>
+                                        </p:tav>
+                                      </p:tavLst>
+                                    </p:anim>
+                                    <p:anim calcmode="lin" valueType="num">
+                                      <p:cBhvr>
+                                        <p:cTn id="8" dur="1000" fill="hold"/>
+                                        <p:tgtEl>
+                                          <p:spTgt spid="581644"/>
+                                        </p:tgtEl>
+                                        <p:attrNameLst>
+                                          <p:attrName>ppt_h</p:attrName>
+                                        </p:attrNameLst>
+                                      </p:cBhvr>
+                                      <p:tavLst>
+                                        <p:tav tm="0">
+                                          <p:val>
+                                            <p:fltVal val="0"/>
+                                          </p:val>
+                                        </p:tav>
+                                        <p:tav tm="100000">
+                                          <p:val>
+                                            <p:strVal val="#ppt_h"/>
+                                          </p:val>
+                                        </p:tav>
+                                      </p:tavLst>
+                                    </p:anim>
+                                    <p:anim calcmode="lin" valueType="num">
+                                      <p:cBhvr>
+                                        <p:cTn id="9" dur="1000" fill="hold"/>
+                                        <p:tgtEl>
+                                          <p:spTgt spid="581644"/>
+                                        </p:tgtEl>
+                                        <p:attrNameLst>
+                                          <p:attrName>ppt_x</p:attrName>
+                                        </p:attrNameLst>
+                                      </p:cBhvr>
+                                      <p:tavLst>
+                                        <p:tav tm="0" fmla="#ppt_x+(cos(-2*pi*(1-$))*-#ppt_x-sin(-2*pi*(1-$))*(1-#ppt_y))*(1-$)">
+                                          <p:val>
+                                            <p:fltVal val="0"/>
+                                          </p:val>
+                                        </p:tav>
+                                        <p:tav tm="100000">
+                                          <p:val>
+                                            <p:fltVal val="1"/>
+                                          </p:val>
+                                        </p:tav>
+                                      </p:tavLst>
+                                    </p:anim>
+                                    <p:anim calcmode="lin" valueType="num">
+                                      <p:cBhvr>
+                                        <p:cTn id="10" dur="1000" fill="hold"/>
+                                        <p:tgtEl>
+                                          <p:spTgt spid="581644"/>
+                                        </p:tgtEl>
+                                        <p:attrNameLst>
+                                          <p:attrName>ppt_y</p:attrName>
+                                        </p:attrNameLst>
+                                      </p:cBhvr>
+                                      <p:tavLst>
+                                        <p:tav tm="0" fmla="#ppt_y+(sin(-2*pi*(1-$))*-#ppt_x+cos(-2*pi*(1-$))*(1-#ppt_y))*(1-$)">
+                                          <p:val>
+                                            <p:fltVal val="0"/>
+                                          </p:val>
+                                        </p:tav>
+                                        <p:tav tm="100000">
+                                          <p:val>
+                                            <p:fltVal val="1"/>
+                                          </p:val>
+                                        </p:tav>
+                                      </p:tavLst>
+                                    </p:anim>
                                   </p:childTnLst>
                                 </p:cTn>
                               </p:par>
@@ -35952,6 +37605,9 @@
   <p:clrMapOvr>
     <a:masterClrMapping/>
   </p:clrMapOvr>
+  <p:transition spd="slow">
+    <p:fade/>
+  </p:transition>
   <p:timing>
     <p:tnLst>
       <p:par>
@@ -36228,6 +37884,9 @@
   <p:clrMapOvr>
     <a:masterClrMapping/>
   </p:clrMapOvr>
+  <p:transition spd="med">
+    <p:fade thruBlk="1"/>
+  </p:transition>
   <p:timing>
     <p:tnLst>
       <p:par>
@@ -36239,7 +37898,7 @@
 </file>
 
 <file path=ppt/slides/slide9.xml><?xml version="1.0" encoding="utf-8"?>
-<p:sld xmlns:a="http://schemas.openxmlformats.org/drawingml/2006/main" xmlns:r="http://schemas.openxmlformats.org/officeDocument/2006/relationships" xmlns:mc="http://schemas.openxmlformats.org/markup-compatibility/2006" xmlns:mv="urn:schemas-microsoft-com:mac:vml" xmlns:p="http://schemas.openxmlformats.org/presentationml/2006/main" mc:Ignorable="mv" mc:PreserveAttributes="mv:*" show="0">
+<p:sld xmlns:a="http://schemas.openxmlformats.org/drawingml/2006/main" xmlns:r="http://schemas.openxmlformats.org/officeDocument/2006/relationships" xmlns:mc="http://schemas.openxmlformats.org/markup-compatibility/2006" xmlns:mv="urn:schemas-microsoft-com:mac:vml" xmlns:p="http://schemas.openxmlformats.org/presentationml/2006/main" mc:Ignorable="mv" mc:PreserveAttributes="mv:*">
   <p:cSld>
     <p:spTree>
       <p:nvGrpSpPr>
@@ -36381,7 +38040,7 @@
   <p:clrMapOvr>
     <a:masterClrMapping/>
   </p:clrMapOvr>
-  <p:transition>
+  <p:transition spd="med">
     <p:fade/>
   </p:transition>
   <p:timing>
